--- a/presentation_and_report/AP_RAG_presentation.pptx
+++ b/presentation_and_report/AP_RAG_presentation.pptx
@@ -6,14 +6,15 @@
   </p:sldMasterIdLst>
   <p:sldIdLst>
     <p:sldId id="256" r:id="rId2"/>
-    <p:sldId id="257" r:id="rId3"/>
-    <p:sldId id="258" r:id="rId4"/>
-    <p:sldId id="260" r:id="rId5"/>
-    <p:sldId id="261" r:id="rId6"/>
-    <p:sldId id="262" r:id="rId7"/>
-    <p:sldId id="266" r:id="rId8"/>
-    <p:sldId id="263" r:id="rId9"/>
-    <p:sldId id="265" r:id="rId10"/>
+    <p:sldId id="267" r:id="rId3"/>
+    <p:sldId id="257" r:id="rId4"/>
+    <p:sldId id="258" r:id="rId5"/>
+    <p:sldId id="260" r:id="rId6"/>
+    <p:sldId id="261" r:id="rId7"/>
+    <p:sldId id="262" r:id="rId8"/>
+    <p:sldId id="269" r:id="rId9"/>
+    <p:sldId id="263" r:id="rId10"/>
+    <p:sldId id="265" r:id="rId11"/>
   </p:sldIdLst>
   <p:sldSz cx="12192000" cy="6858000"/>
   <p:notesSz cx="6858000" cy="9144000"/>
@@ -112,6 +113,11 @@
       </a:defRPr>
     </a:lvl9pPr>
   </p:defaultTextStyle>
+  <p:extLst>
+    <p:ext uri="{EFAFB233-063F-42B5-8137-9DF3F51BA10A}">
+      <p15:sldGuideLst xmlns:p15="http://schemas.microsoft.com/office/powerpoint/2012/main"/>
+    </p:ext>
+  </p:extLst>
 </p:presentation>
 </file>
 
@@ -268,7 +274,7 @@
           <a:p>
             <a:fld id="{D1D1EADE-8E88-4C7C-8AC5-FB148DE4940E}" type="datetime1">
               <a:rPr lang="en-US" smtClean="0"/>
-              <a:t>5/1/25</a:t>
+              <a:t>5/12/25</a:t>
             </a:fld>
             <a:endParaRPr lang="en-US"/>
           </a:p>
@@ -468,7 +474,7 @@
           <a:p>
             <a:fld id="{EC3C8B9C-477D-492A-96AD-1FC2CC997A73}" type="datetime1">
               <a:rPr lang="en-US" smtClean="0"/>
-              <a:t>5/1/25</a:t>
+              <a:t>5/12/25</a:t>
             </a:fld>
             <a:endParaRPr lang="en-US"/>
           </a:p>
@@ -678,7 +684,7 @@
           <a:p>
             <a:fld id="{42D3AED5-E26D-4E29-B1B3-7847B6779594}" type="datetime1">
               <a:rPr lang="en-US" smtClean="0"/>
-              <a:t>5/1/25</a:t>
+              <a:t>5/12/25</a:t>
             </a:fld>
             <a:endParaRPr lang="en-US"/>
           </a:p>
@@ -878,7 +884,7 @@
           <a:p>
             <a:fld id="{157B6794-849E-4626-908B-D15793550EFB}" type="datetime1">
               <a:rPr lang="en-US" smtClean="0"/>
-              <a:t>5/1/25</a:t>
+              <a:t>5/12/25</a:t>
             </a:fld>
             <a:endParaRPr lang="en-US"/>
           </a:p>
@@ -1154,7 +1160,7 @@
           <a:p>
             <a:fld id="{63DB64E7-5594-42A3-ADBF-E95A7ACEAD64}" type="datetime1">
               <a:rPr lang="en-US" smtClean="0"/>
-              <a:t>5/1/25</a:t>
+              <a:t>5/12/25</a:t>
             </a:fld>
             <a:endParaRPr lang="en-US"/>
           </a:p>
@@ -1427,7 +1433,7 @@
           <a:p>
             <a:fld id="{18462B0B-D248-4FFB-8695-AD7FA4B1284A}" type="datetime1">
               <a:rPr lang="en-US" smtClean="0"/>
-              <a:t>5/1/25</a:t>
+              <a:t>5/12/25</a:t>
             </a:fld>
             <a:endParaRPr lang="en-US"/>
           </a:p>
@@ -1850,7 +1856,7 @@
           <a:p>
             <a:fld id="{D0378EFB-9159-4510-B73F-4F0409ADE937}" type="datetime1">
               <a:rPr lang="en-US" smtClean="0"/>
-              <a:t>5/1/25</a:t>
+              <a:t>5/12/25</a:t>
             </a:fld>
             <a:endParaRPr lang="en-US"/>
           </a:p>
@@ -1992,7 +1998,7 @@
           <a:p>
             <a:fld id="{89BC9412-2452-4BED-A324-9D8C115361AD}" type="datetime1">
               <a:rPr lang="en-US" smtClean="0"/>
-              <a:t>5/1/25</a:t>
+              <a:t>5/12/25</a:t>
             </a:fld>
             <a:endParaRPr lang="en-US"/>
           </a:p>
@@ -2105,7 +2111,7 @@
           <a:p>
             <a:fld id="{F5318F62-D251-40E8-A23C-F4CFE9FEAB41}" type="datetime1">
               <a:rPr lang="en-US" smtClean="0"/>
-              <a:t>5/1/25</a:t>
+              <a:t>5/12/25</a:t>
             </a:fld>
             <a:endParaRPr lang="en-US"/>
           </a:p>
@@ -2418,7 +2424,7 @@
           <a:p>
             <a:fld id="{44F76144-149E-4874-93A5-554A0357CF82}" type="datetime1">
               <a:rPr lang="en-US" smtClean="0"/>
-              <a:t>5/1/25</a:t>
+              <a:t>5/12/25</a:t>
             </a:fld>
             <a:endParaRPr lang="en-US"/>
           </a:p>
@@ -2711,7 +2717,7 @@
           <a:p>
             <a:fld id="{50BA65D8-0540-4835-AE5C-25D29DBA01BE}" type="datetime1">
               <a:rPr lang="en-US" smtClean="0"/>
-              <a:t>5/1/25</a:t>
+              <a:t>5/12/25</a:t>
             </a:fld>
             <a:endParaRPr lang="en-US"/>
           </a:p>
@@ -2953,7 +2959,7 @@
           <a:p>
             <a:fld id="{E31BA835-12AC-4E8F-955A-EA3F4DE2791F}" type="datetime1">
               <a:rPr lang="en-US" smtClean="0"/>
-              <a:t>5/1/25</a:t>
+              <a:t>5/12/25</a:t>
             </a:fld>
             <a:endParaRPr lang="en-US"/>
           </a:p>
@@ -3795,6 +3801,41 @@
           </a:fontRef>
         </p:style>
       </p:cxnSp>
+      <p:sp>
+        <p:nvSpPr>
+          <p:cNvPr id="5" name="TextBox 4">
+            <a:extLst>
+              <a:ext uri="{FF2B5EF4-FFF2-40B4-BE49-F238E27FC236}">
+                <a16:creationId xmlns:a16="http://schemas.microsoft.com/office/drawing/2014/main" id="{510FDCAF-62B6-F39B-18C1-90F5AE60FC9C}"/>
+              </a:ext>
+            </a:extLst>
+          </p:cNvPr>
+          <p:cNvSpPr txBox="1"/>
+          <p:nvPr/>
+        </p:nvSpPr>
+        <p:spPr>
+          <a:xfrm>
+            <a:off x="9897317" y="6355956"/>
+            <a:ext cx="2012800" cy="369332"/>
+          </a:xfrm>
+          <a:prstGeom prst="rect">
+            <a:avLst/>
+          </a:prstGeom>
+          <a:noFill/>
+        </p:spPr>
+        <p:txBody>
+          <a:bodyPr wrap="square" rtlCol="0">
+            <a:spAutoFit/>
+          </a:bodyPr>
+          <a:lstStyle/>
+          <a:p>
+            <a:r>
+              <a:rPr lang="en-US" dirty="0"/>
+              <a:t>Mollie Hamman</a:t>
+            </a:r>
+          </a:p>
+        </p:txBody>
+      </p:sp>
     </p:spTree>
     <p:extLst>
       <p:ext uri="{BB962C8B-B14F-4D97-AF65-F5344CB8AC3E}">
@@ -3947,6 +3988,426 @@
 </p:sld>
 </file>
 
+<file path=ppt/slides/slide10.xml><?xml version="1.0" encoding="utf-8"?>
+<p:sld xmlns:a="http://schemas.openxmlformats.org/drawingml/2006/main" xmlns:r="http://schemas.openxmlformats.org/officeDocument/2006/relationships" xmlns:p="http://schemas.openxmlformats.org/presentationml/2006/main">
+  <p:cSld>
+    <p:spTree>
+      <p:nvGrpSpPr>
+        <p:cNvPr id="1" name=""/>
+        <p:cNvGrpSpPr/>
+        <p:nvPr/>
+      </p:nvGrpSpPr>
+      <p:grpSpPr>
+        <a:xfrm>
+          <a:off x="0" y="0"/>
+          <a:ext cx="0" cy="0"/>
+          <a:chOff x="0" y="0"/>
+          <a:chExt cx="0" cy="0"/>
+        </a:xfrm>
+      </p:grpSpPr>
+      <p:sp>
+        <p:nvSpPr>
+          <p:cNvPr id="2" name="Title 1">
+            <a:extLst>
+              <a:ext uri="{FF2B5EF4-FFF2-40B4-BE49-F238E27FC236}">
+                <a16:creationId xmlns:a16="http://schemas.microsoft.com/office/drawing/2014/main" id="{E4EF8E51-9E3B-76EA-0A24-221B6E2A4B4C}"/>
+              </a:ext>
+            </a:extLst>
+          </p:cNvPr>
+          <p:cNvSpPr>
+            <a:spLocks noGrp="1"/>
+          </p:cNvSpPr>
+          <p:nvPr>
+            <p:ph type="title"/>
+          </p:nvPr>
+        </p:nvSpPr>
+        <p:spPr>
+          <a:xfrm>
+            <a:off x="324895" y="842963"/>
+            <a:ext cx="2571203" cy="685800"/>
+          </a:xfrm>
+        </p:spPr>
+        <p:txBody>
+          <a:bodyPr>
+            <a:normAutofit fontScale="90000"/>
+          </a:bodyPr>
+          <a:lstStyle/>
+          <a:p>
+            <a:pPr algn="ctr"/>
+            <a:r>
+              <a:rPr lang="en-US" dirty="0"/>
+              <a:t>Sources</a:t>
+            </a:r>
+          </a:p>
+        </p:txBody>
+      </p:sp>
+      <p:graphicFrame>
+        <p:nvGraphicFramePr>
+          <p:cNvPr id="6" name="Table 6">
+            <a:extLst>
+              <a:ext uri="{FF2B5EF4-FFF2-40B4-BE49-F238E27FC236}">
+                <a16:creationId xmlns:a16="http://schemas.microsoft.com/office/drawing/2014/main" id="{DDF9FBDE-3E8F-5DAF-4DAF-FA72CCC87DBE}"/>
+              </a:ext>
+            </a:extLst>
+          </p:cNvPr>
+          <p:cNvGraphicFramePr>
+            <a:graphicFrameLocks noGrp="1"/>
+          </p:cNvGraphicFramePr>
+          <p:nvPr>
+            <p:extLst>
+              <p:ext uri="{D42A27DB-BD31-4B8C-83A1-F6EECF244321}">
+                <p14:modId xmlns:p14="http://schemas.microsoft.com/office/powerpoint/2010/main" val="3495035610"/>
+              </p:ext>
+            </p:extLst>
+          </p:nvPr>
+        </p:nvGraphicFramePr>
+        <p:xfrm>
+          <a:off x="533608" y="1528763"/>
+          <a:ext cx="11124782" cy="3819272"/>
+        </p:xfrm>
+        <a:graphic>
+          <a:graphicData uri="http://schemas.openxmlformats.org/drawingml/2006/table">
+            <a:tbl>
+              <a:tblPr firstRow="1" bandRow="1">
+                <a:tableStyleId>{8EC20E35-A176-4012-BC5E-935CFFF8708E}</a:tableStyleId>
+              </a:tblPr>
+              <a:tblGrid>
+                <a:gridCol w="1437085">
+                  <a:extLst>
+                    <a:ext uri="{9D8B030D-6E8A-4147-A177-3AD203B41FA5}">
+                      <a16:colId xmlns:a16="http://schemas.microsoft.com/office/drawing/2014/main" val="1027558336"/>
+                    </a:ext>
+                  </a:extLst>
+                </a:gridCol>
+                <a:gridCol w="9687697">
+                  <a:extLst>
+                    <a:ext uri="{9D8B030D-6E8A-4147-A177-3AD203B41FA5}">
+                      <a16:colId xmlns:a16="http://schemas.microsoft.com/office/drawing/2014/main" val="3670791668"/>
+                    </a:ext>
+                  </a:extLst>
+                </a:gridCol>
+              </a:tblGrid>
+              <a:tr h="667002">
+                <a:tc>
+                  <a:txBody>
+                    <a:bodyPr/>
+                    <a:lstStyle/>
+                    <a:p>
+                      <a:r>
+                        <a:rPr lang="en-US" dirty="0"/>
+                        <a:t>#</a:t>
+                      </a:r>
+                    </a:p>
+                  </a:txBody>
+                  <a:tcPr/>
+                </a:tc>
+                <a:tc>
+                  <a:txBody>
+                    <a:bodyPr/>
+                    <a:lstStyle/>
+                    <a:p>
+                      <a:r>
+                        <a:rPr lang="en-US" dirty="0"/>
+                        <a:t>Link to Article</a:t>
+                      </a:r>
+                    </a:p>
+                  </a:txBody>
+                  <a:tcPr/>
+                </a:tc>
+                <a:extLst>
+                  <a:ext uri="{0D108BD9-81ED-4DB2-BD59-A6C34878D82A}">
+                    <a16:rowId xmlns:a16="http://schemas.microsoft.com/office/drawing/2014/main" val="2340486154"/>
+                  </a:ext>
+                </a:extLst>
+              </a:tr>
+              <a:tr h="667002">
+                <a:tc>
+                  <a:txBody>
+                    <a:bodyPr/>
+                    <a:lstStyle/>
+                    <a:p>
+                      <a:r>
+                        <a:rPr lang="en-US" dirty="0"/>
+                        <a:t>[1]</a:t>
+                      </a:r>
+                    </a:p>
+                  </a:txBody>
+                  <a:tcPr/>
+                </a:tc>
+                <a:tc>
+                  <a:txBody>
+                    <a:bodyPr/>
+                    <a:lstStyle/>
+                    <a:p>
+                      <a:pPr marL="0" marR="0" lvl="0" indent="0" algn="l" defTabSz="914400" rtl="0" eaLnBrk="1" fontAlgn="auto" latinLnBrk="0" hangingPunct="1">
+                        <a:lnSpc>
+                          <a:spcPct val="100000"/>
+                        </a:lnSpc>
+                        <a:spcBef>
+                          <a:spcPts val="0"/>
+                        </a:spcBef>
+                        <a:spcAft>
+                          <a:spcPts val="0"/>
+                        </a:spcAft>
+                        <a:buClrTx/>
+                        <a:buSzTx/>
+                        <a:buFontTx/>
+                        <a:buNone/>
+                        <a:tabLst/>
+                        <a:defRPr/>
+                      </a:pPr>
+                      <a:r>
+                        <a:rPr lang="en-US" dirty="0"/>
+                        <a:t>https://</a:t>
+                      </a:r>
+                      <a:r>
+                        <a:rPr lang="en-US" dirty="0" err="1"/>
+                        <a:t>openai.com</a:t>
+                      </a:r>
+                      <a:r>
+                        <a:rPr lang="en-US" dirty="0"/>
+                        <a:t>/index/introducing-text-and-code-embeddings/</a:t>
+                      </a:r>
+                    </a:p>
+                    <a:p>
+                      <a:pPr marL="0" marR="0" lvl="0" indent="0" algn="l" defTabSz="914400" rtl="0" eaLnBrk="1" fontAlgn="auto" latinLnBrk="0" hangingPunct="1">
+                        <a:lnSpc>
+                          <a:spcPct val="100000"/>
+                        </a:lnSpc>
+                        <a:spcBef>
+                          <a:spcPts val="0"/>
+                        </a:spcBef>
+                        <a:spcAft>
+                          <a:spcPts val="0"/>
+                        </a:spcAft>
+                        <a:buClrTx/>
+                        <a:buSzTx/>
+                        <a:buFontTx/>
+                        <a:buNone/>
+                        <a:tabLst/>
+                        <a:defRPr/>
+                      </a:pPr>
+                      <a:endParaRPr lang="en-US" dirty="0"/>
+                    </a:p>
+                  </a:txBody>
+                  <a:tcPr/>
+                </a:tc>
+                <a:extLst>
+                  <a:ext uri="{0D108BD9-81ED-4DB2-BD59-A6C34878D82A}">
+                    <a16:rowId xmlns:a16="http://schemas.microsoft.com/office/drawing/2014/main" val="3045580648"/>
+                  </a:ext>
+                </a:extLst>
+              </a:tr>
+              <a:tr h="667002">
+                <a:tc>
+                  <a:txBody>
+                    <a:bodyPr/>
+                    <a:lstStyle/>
+                    <a:p>
+                      <a:r>
+                        <a:rPr lang="en-US" dirty="0"/>
+                        <a:t>[2]</a:t>
+                      </a:r>
+                    </a:p>
+                  </a:txBody>
+                  <a:tcPr/>
+                </a:tc>
+                <a:tc>
+                  <a:txBody>
+                    <a:bodyPr/>
+                    <a:lstStyle/>
+                    <a:p>
+                      <a:pPr marL="0" marR="0" lvl="0" indent="0" algn="l" defTabSz="914400" rtl="0" eaLnBrk="1" fontAlgn="auto" latinLnBrk="0" hangingPunct="1">
+                        <a:lnSpc>
+                          <a:spcPct val="100000"/>
+                        </a:lnSpc>
+                        <a:spcBef>
+                          <a:spcPts val="0"/>
+                        </a:spcBef>
+                        <a:spcAft>
+                          <a:spcPts val="0"/>
+                        </a:spcAft>
+                        <a:buClrTx/>
+                        <a:buSzTx/>
+                        <a:buFontTx/>
+                        <a:buNone/>
+                        <a:tabLst/>
+                        <a:defRPr/>
+                      </a:pPr>
+                      <a:r>
+                        <a:rPr lang="en-US" dirty="0"/>
+                        <a:t>https://</a:t>
+                      </a:r>
+                      <a:r>
+                        <a:rPr lang="en-US" dirty="0" err="1"/>
+                        <a:t>tinkerd.net</a:t>
+                      </a:r>
+                      <a:r>
+                        <a:rPr lang="en-US" dirty="0"/>
+                        <a:t>/blog/machine-learning/</a:t>
+                      </a:r>
+                      <a:r>
+                        <a:rPr lang="en-US" dirty="0" err="1"/>
+                        <a:t>bert</a:t>
+                      </a:r>
+                      <a:r>
+                        <a:rPr lang="en-US" dirty="0"/>
+                        <a:t>-embeddings/</a:t>
+                      </a:r>
+                    </a:p>
+                    <a:p>
+                      <a:endParaRPr lang="en-US" dirty="0"/>
+                    </a:p>
+                  </a:txBody>
+                  <a:tcPr/>
+                </a:tc>
+                <a:extLst>
+                  <a:ext uri="{0D108BD9-81ED-4DB2-BD59-A6C34878D82A}">
+                    <a16:rowId xmlns:a16="http://schemas.microsoft.com/office/drawing/2014/main" val="3297095709"/>
+                  </a:ext>
+                </a:extLst>
+              </a:tr>
+              <a:tr h="667002">
+                <a:tc>
+                  <a:txBody>
+                    <a:bodyPr/>
+                    <a:lstStyle/>
+                    <a:p>
+                      <a:r>
+                        <a:rPr lang="en-US" dirty="0"/>
+                        <a:t>[3]</a:t>
+                      </a:r>
+                    </a:p>
+                  </a:txBody>
+                  <a:tcPr/>
+                </a:tc>
+                <a:tc>
+                  <a:txBody>
+                    <a:bodyPr/>
+                    <a:lstStyle/>
+                    <a:p>
+                      <a:pPr marL="0" marR="0" lvl="0" indent="0" algn="l" defTabSz="914400" rtl="0" eaLnBrk="1" fontAlgn="auto" latinLnBrk="0" hangingPunct="1">
+                        <a:lnSpc>
+                          <a:spcPct val="100000"/>
+                        </a:lnSpc>
+                        <a:spcBef>
+                          <a:spcPts val="0"/>
+                        </a:spcBef>
+                        <a:spcAft>
+                          <a:spcPts val="0"/>
+                        </a:spcAft>
+                        <a:buClrTx/>
+                        <a:buSzTx/>
+                        <a:buFontTx/>
+                        <a:buNone/>
+                        <a:tabLst/>
+                        <a:defRPr/>
+                      </a:pPr>
+                      <a:r>
+                        <a:rPr lang="en-US" dirty="0"/>
+                        <a:t>https://</a:t>
+                      </a:r>
+                      <a:r>
+                        <a:rPr lang="en-US" dirty="0" err="1"/>
+                        <a:t>nlp.stanford.edu</a:t>
+                      </a:r>
+                      <a:r>
+                        <a:rPr lang="en-US" dirty="0"/>
+                        <a:t>/projects/glove/</a:t>
+                      </a:r>
+                    </a:p>
+                  </a:txBody>
+                  <a:tcPr/>
+                </a:tc>
+                <a:extLst>
+                  <a:ext uri="{0D108BD9-81ED-4DB2-BD59-A6C34878D82A}">
+                    <a16:rowId xmlns:a16="http://schemas.microsoft.com/office/drawing/2014/main" val="4082340756"/>
+                  </a:ext>
+                </a:extLst>
+              </a:tr>
+              <a:tr h="1151264">
+                <a:tc>
+                  <a:txBody>
+                    <a:bodyPr/>
+                    <a:lstStyle/>
+                    <a:p>
+                      <a:r>
+                        <a:rPr lang="en-US" dirty="0"/>
+                        <a:t>[4]</a:t>
+                      </a:r>
+                    </a:p>
+                  </a:txBody>
+                  <a:tcPr/>
+                </a:tc>
+                <a:tc>
+                  <a:txBody>
+                    <a:bodyPr/>
+                    <a:lstStyle/>
+                    <a:p>
+                      <a:pPr marL="0" marR="0" lvl="0" indent="0" algn="l" defTabSz="914400" rtl="0" eaLnBrk="1" fontAlgn="auto" latinLnBrk="0" hangingPunct="1">
+                        <a:lnSpc>
+                          <a:spcPct val="100000"/>
+                        </a:lnSpc>
+                        <a:spcBef>
+                          <a:spcPts val="0"/>
+                        </a:spcBef>
+                        <a:spcAft>
+                          <a:spcPts val="0"/>
+                        </a:spcAft>
+                        <a:buClrTx/>
+                        <a:buSzTx/>
+                        <a:buFontTx/>
+                        <a:buNone/>
+                        <a:tabLst/>
+                        <a:defRPr/>
+                      </a:pPr>
+                      <a:r>
+                        <a:rPr lang="en-US" dirty="0"/>
+                        <a:t>https://</a:t>
+                      </a:r>
+                      <a:r>
+                        <a:rPr lang="en-US" dirty="0" err="1"/>
+                        <a:t>dev.to</a:t>
+                      </a:r>
+                      <a:r>
+                        <a:rPr lang="en-US" dirty="0"/>
+                        <a:t>/</a:t>
+                      </a:r>
+                      <a:r>
+                        <a:rPr lang="en-US" dirty="0" err="1"/>
+                        <a:t>simplr_sh</a:t>
+                      </a:r>
+                      <a:r>
+                        <a:rPr lang="en-US" dirty="0"/>
+                        <a:t>/comparing-popular-embedding-models-choosing-the-right-one-for-your-use-case-43p1</a:t>
+                      </a:r>
+                    </a:p>
+                  </a:txBody>
+                  <a:tcPr/>
+                </a:tc>
+                <a:extLst>
+                  <a:ext uri="{0D108BD9-81ED-4DB2-BD59-A6C34878D82A}">
+                    <a16:rowId xmlns:a16="http://schemas.microsoft.com/office/drawing/2014/main" val="2042869579"/>
+                  </a:ext>
+                </a:extLst>
+              </a:tr>
+            </a:tbl>
+          </a:graphicData>
+        </a:graphic>
+      </p:graphicFrame>
+    </p:spTree>
+    <p:extLst>
+      <p:ext uri="{BB962C8B-B14F-4D97-AF65-F5344CB8AC3E}">
+        <p14:creationId xmlns:p14="http://schemas.microsoft.com/office/powerpoint/2010/main" val="2406529648"/>
+      </p:ext>
+    </p:extLst>
+  </p:cSld>
+  <p:clrMapOvr>
+    <a:masterClrMapping/>
+  </p:clrMapOvr>
+</p:sld>
+</file>
+
 <file path=ppt/slides/slide2.xml><?xml version="1.0" encoding="utf-8"?>
 <p:sld xmlns:a="http://schemas.openxmlformats.org/drawingml/2006/main" xmlns:r="http://schemas.openxmlformats.org/officeDocument/2006/relationships" xmlns:p="http://schemas.openxmlformats.org/presentationml/2006/main">
   <p:cSld>
@@ -4144,7 +4605,7 @@
           <p:cNvPr id="2" name="Title 1">
             <a:extLst>
               <a:ext uri="{FF2B5EF4-FFF2-40B4-BE49-F238E27FC236}">
-                <a16:creationId xmlns:a16="http://schemas.microsoft.com/office/drawing/2014/main" id="{D52E6053-2555-85C7-9611-B4116C2553B1}"/>
+                <a16:creationId xmlns:a16="http://schemas.microsoft.com/office/drawing/2014/main" id="{85F4BE4B-12E4-A144-1794-7F55D734B86A}"/>
               </a:ext>
             </a:extLst>
           </p:cNvPr>
@@ -4157,48 +4618,19 @@
         </p:nvSpPr>
         <p:spPr>
           <a:xfrm>
-            <a:off x="695324" y="871758"/>
-            <a:ext cx="10283452" cy="4771802"/>
+            <a:off x="695324" y="871759"/>
+            <a:ext cx="10283452" cy="1028480"/>
           </a:xfrm>
         </p:spPr>
         <p:txBody>
           <a:bodyPr vert="horz" lIns="91440" tIns="45720" rIns="91440" bIns="45720" rtlCol="0" anchor="t">
-            <a:normAutofit/>
+            <a:normAutofit fontScale="90000"/>
           </a:bodyPr>
           <a:lstStyle/>
           <a:p>
             <a:r>
               <a:rPr lang="en-US" sz="6600" dirty="0"/>
-              <a:t>Chosen Models</a:t>
-            </a:r>
-            <a:br>
-              <a:rPr lang="en-US" sz="6600" dirty="0"/>
-            </a:br>
-            <a:r>
-              <a:rPr lang="en-US" sz="6600" dirty="0"/>
-              <a:t>- </a:t>
-            </a:r>
-            <a:r>
-              <a:rPr lang="en-US" sz="6600" dirty="0" err="1"/>
-              <a:t>OpenaI</a:t>
-            </a:r>
-            <a:br>
-              <a:rPr lang="en-US" sz="6600" dirty="0"/>
-            </a:br>
-            <a:r>
-              <a:rPr lang="en-US" sz="6600" dirty="0"/>
-              <a:t>- </a:t>
-            </a:r>
-            <a:r>
-              <a:rPr lang="en-US" sz="6600" dirty="0" err="1"/>
-              <a:t>sbert</a:t>
-            </a:r>
-            <a:br>
-              <a:rPr lang="en-US" sz="6600" dirty="0"/>
-            </a:br>
-            <a:r>
-              <a:rPr lang="en-US" sz="6600" dirty="0"/>
-              <a:t>- glove</a:t>
+              <a:t>What is a Rag system?</a:t>
             </a:r>
           </a:p>
         </p:txBody>
@@ -4307,10 +4739,195 @@
           </a:fontRef>
         </p:style>
       </p:cxnSp>
+      <p:sp>
+        <p:nvSpPr>
+          <p:cNvPr id="4" name="Title 1">
+            <a:extLst>
+              <a:ext uri="{FF2B5EF4-FFF2-40B4-BE49-F238E27FC236}">
+                <a16:creationId xmlns:a16="http://schemas.microsoft.com/office/drawing/2014/main" id="{0EC68DA4-99F9-180E-CD04-5C8DBE0D1B51}"/>
+              </a:ext>
+            </a:extLst>
+          </p:cNvPr>
+          <p:cNvSpPr txBox="1">
+            <a:spLocks/>
+          </p:cNvSpPr>
+          <p:nvPr/>
+        </p:nvSpPr>
+        <p:spPr>
+          <a:xfrm>
+            <a:off x="695324" y="1918664"/>
+            <a:ext cx="10283452" cy="4067567"/>
+          </a:xfrm>
+          <a:prstGeom prst="rect">
+            <a:avLst/>
+          </a:prstGeom>
+        </p:spPr>
+        <p:txBody>
+          <a:bodyPr vert="horz" lIns="91440" tIns="45720" rIns="91440" bIns="45720" rtlCol="0" anchor="t">
+            <a:normAutofit fontScale="97500"/>
+          </a:bodyPr>
+          <a:lstStyle>
+            <a:lvl1pPr algn="l" defTabSz="914400" rtl="0" eaLnBrk="1" latinLnBrk="0" hangingPunct="1">
+              <a:lnSpc>
+                <a:spcPct val="100000"/>
+              </a:lnSpc>
+              <a:spcBef>
+                <a:spcPct val="0"/>
+              </a:spcBef>
+              <a:buNone/>
+              <a:defRPr sz="4000" kern="1200" cap="all" spc="30" baseline="0">
+                <a:solidFill>
+                  <a:schemeClr val="tx1"/>
+                </a:solidFill>
+                <a:latin typeface="+mj-lt"/>
+                <a:ea typeface="+mj-ea"/>
+                <a:cs typeface="+mj-cs"/>
+              </a:defRPr>
+            </a:lvl1pPr>
+          </a:lstStyle>
+          <a:p>
+            <a:endParaRPr lang="en-US" sz="6600" dirty="0"/>
+          </a:p>
+        </p:txBody>
+      </p:sp>
+      <p:sp>
+        <p:nvSpPr>
+          <p:cNvPr id="7" name="TextBox 6">
+            <a:extLst>
+              <a:ext uri="{FF2B5EF4-FFF2-40B4-BE49-F238E27FC236}">
+                <a16:creationId xmlns:a16="http://schemas.microsoft.com/office/drawing/2014/main" id="{61BB1A69-69B8-FFB3-D64C-9EF881415C65}"/>
+              </a:ext>
+            </a:extLst>
+          </p:cNvPr>
+          <p:cNvSpPr txBox="1"/>
+          <p:nvPr/>
+        </p:nvSpPr>
+        <p:spPr>
+          <a:xfrm>
+            <a:off x="800100" y="1914377"/>
+            <a:ext cx="10591800" cy="2862322"/>
+          </a:xfrm>
+          <a:prstGeom prst="rect">
+            <a:avLst/>
+          </a:prstGeom>
+          <a:noFill/>
+        </p:spPr>
+        <p:txBody>
+          <a:bodyPr wrap="square" rtlCol="0">
+            <a:spAutoFit/>
+          </a:bodyPr>
+          <a:lstStyle/>
+          <a:p>
+            <a:pPr marL="285750" indent="-285750">
+              <a:buFontTx/>
+              <a:buChar char="-"/>
+            </a:pPr>
+            <a:r>
+              <a:rPr lang="en-US" dirty="0">
+                <a:latin typeface="Menlo" panose="020B0609030804020204" pitchFamily="49" charset="0"/>
+                <a:ea typeface="Menlo" panose="020B0609030804020204" pitchFamily="49" charset="0"/>
+                <a:cs typeface="Menlo" panose="020B0609030804020204" pitchFamily="49" charset="0"/>
+              </a:rPr>
+              <a:t>Retrieval Augmented Generation</a:t>
+            </a:r>
+          </a:p>
+          <a:p>
+            <a:pPr marL="285750" indent="-285750">
+              <a:buFontTx/>
+              <a:buChar char="-"/>
+            </a:pPr>
+            <a:r>
+              <a:rPr lang="en-US" dirty="0">
+                <a:latin typeface="Menlo" panose="020B0609030804020204" pitchFamily="49" charset="0"/>
+                <a:ea typeface="Menlo" panose="020B0609030804020204" pitchFamily="49" charset="0"/>
+                <a:cs typeface="Menlo" panose="020B0609030804020204" pitchFamily="49" charset="0"/>
+              </a:rPr>
+              <a:t>This is a technique used for Q&amp;A chatbots</a:t>
+            </a:r>
+          </a:p>
+          <a:p>
+            <a:pPr marL="285750" indent="-285750">
+              <a:buFontTx/>
+              <a:buChar char="-"/>
+            </a:pPr>
+            <a:r>
+              <a:rPr lang="en-US" dirty="0">
+                <a:latin typeface="Menlo" panose="020B0609030804020204" pitchFamily="49" charset="0"/>
+                <a:ea typeface="Menlo" panose="020B0609030804020204" pitchFamily="49" charset="0"/>
+                <a:cs typeface="Menlo" panose="020B0609030804020204" pitchFamily="49" charset="0"/>
+              </a:rPr>
+              <a:t>It is a process where you gather source material and retrieve information from them through a process of text embeddings</a:t>
+            </a:r>
+          </a:p>
+          <a:p>
+            <a:pPr marL="285750" indent="-285750">
+              <a:buFontTx/>
+              <a:buChar char="-"/>
+            </a:pPr>
+            <a:endParaRPr lang="en-US" dirty="0">
+              <a:latin typeface="Menlo" panose="020B0609030804020204" pitchFamily="49" charset="0"/>
+              <a:ea typeface="Menlo" panose="020B0609030804020204" pitchFamily="49" charset="0"/>
+              <a:cs typeface="Menlo" panose="020B0609030804020204" pitchFamily="49" charset="0"/>
+            </a:endParaRPr>
+          </a:p>
+          <a:p>
+            <a:r>
+              <a:rPr lang="en-US" dirty="0">
+                <a:latin typeface="Menlo" panose="020B0609030804020204" pitchFamily="49" charset="0"/>
+                <a:ea typeface="Menlo" panose="020B0609030804020204" pitchFamily="49" charset="0"/>
+                <a:cs typeface="Menlo" panose="020B0609030804020204" pitchFamily="49" charset="0"/>
+              </a:rPr>
+              <a:t>PROCESS:</a:t>
+            </a:r>
+          </a:p>
+          <a:p>
+            <a:pPr marL="285750" indent="-285750">
+              <a:buFontTx/>
+              <a:buChar char="-"/>
+            </a:pPr>
+            <a:r>
+              <a:rPr lang="en-US" dirty="0">
+                <a:latin typeface="Menlo" panose="020B0609030804020204" pitchFamily="49" charset="0"/>
+                <a:ea typeface="Menlo" panose="020B0609030804020204" pitchFamily="49" charset="0"/>
+                <a:cs typeface="Menlo" panose="020B0609030804020204" pitchFamily="49" charset="0"/>
+              </a:rPr>
+              <a:t>First, embed source documents</a:t>
+            </a:r>
+          </a:p>
+          <a:p>
+            <a:pPr marL="285750" indent="-285750">
+              <a:buFontTx/>
+              <a:buChar char="-"/>
+            </a:pPr>
+            <a:r>
+              <a:rPr lang="en-US" dirty="0">
+                <a:latin typeface="Menlo" panose="020B0609030804020204" pitchFamily="49" charset="0"/>
+                <a:ea typeface="Menlo" panose="020B0609030804020204" pitchFamily="49" charset="0"/>
+                <a:cs typeface="Menlo" panose="020B0609030804020204" pitchFamily="49" charset="0"/>
+              </a:rPr>
+              <a:t>Then upload those embedded documents to a vector database</a:t>
+            </a:r>
+          </a:p>
+          <a:p>
+            <a:pPr marL="285750" indent="-285750">
+              <a:buFontTx/>
+              <a:buChar char="-"/>
+            </a:pPr>
+            <a:r>
+              <a:rPr lang="en-US" dirty="0">
+                <a:latin typeface="Menlo" panose="020B0609030804020204" pitchFamily="49" charset="0"/>
+                <a:ea typeface="Menlo" panose="020B0609030804020204" pitchFamily="49" charset="0"/>
+                <a:cs typeface="Menlo" panose="020B0609030804020204" pitchFamily="49" charset="0"/>
+              </a:rPr>
+              <a:t>After that, you can separate them in order to compare their results when asking a question</a:t>
+            </a:r>
+          </a:p>
+        </p:txBody>
+      </p:sp>
     </p:spTree>
     <p:extLst>
       <p:ext uri="{BB962C8B-B14F-4D97-AF65-F5344CB8AC3E}">
-        <p14:creationId xmlns:p14="http://schemas.microsoft.com/office/powerpoint/2010/main" val="2277091966"/>
+        <p14:creationId xmlns:p14="http://schemas.microsoft.com/office/powerpoint/2010/main" val="3110765579"/>
       </p:ext>
     </p:extLst>
   </p:cSld>
@@ -4345,117 +4962,12 @@
           <a:chExt cx="0" cy="0"/>
         </a:xfrm>
       </p:grpSpPr>
-      <p:sp useBgFill="1">
-        <p:nvSpPr>
-          <p:cNvPr id="8" name="Rectangle 7">
-            <a:extLst>
-              <a:ext uri="{FF2B5EF4-FFF2-40B4-BE49-F238E27FC236}">
-                <a16:creationId xmlns:a16="http://schemas.microsoft.com/office/drawing/2014/main" id="{5F710FDB-0919-493E-8539-8240C23F1EB2}"/>
-              </a:ext>
-              <a:ext uri="{C183D7F6-B498-43B3-948B-1728B52AA6E4}">
-                <adec:decorative xmlns:adec="http://schemas.microsoft.com/office/drawing/2017/decorative" val="1"/>
-              </a:ext>
-            </a:extLst>
-          </p:cNvPr>
-          <p:cNvSpPr>
-            <a:spLocks noGrp="1" noRot="1" noChangeAspect="1" noMove="1" noResize="1" noEditPoints="1" noAdjustHandles="1" noChangeArrowheads="1" noChangeShapeType="1" noTextEdit="1"/>
-          </p:cNvSpPr>
-          <p:nvPr>
-            <p:extLst>
-              <p:ext uri="{386F3935-93C4-4BCD-93E2-E3B085C9AB24}">
-                <p16:designElem xmlns:p16="http://schemas.microsoft.com/office/powerpoint/2015/main" val="1"/>
-              </p:ext>
-            </p:extLst>
-          </p:nvPr>
-        </p:nvSpPr>
-        <p:spPr>
-          <a:xfrm>
-            <a:off x="0" y="0"/>
-            <a:ext cx="12192000" cy="6858000"/>
-          </a:xfrm>
-          <a:prstGeom prst="rect">
-            <a:avLst/>
-          </a:prstGeom>
-          <a:ln w="12700" cap="flat" cmpd="sng" algn="ctr">
-            <a:noFill/>
-            <a:prstDash val="solid"/>
-            <a:miter lim="800000"/>
-          </a:ln>
-          <a:effectLst/>
-          <a:extLst>
-            <a:ext uri="{91240B29-F687-4F45-9708-019B960494DF}">
-              <a14:hiddenLine xmlns:a14="http://schemas.microsoft.com/office/drawing/2010/main" w="12700" cap="flat" cmpd="sng" algn="ctr">
-                <a:solidFill>
-                  <a:schemeClr val="accent1">
-                    <a:shade val="50000"/>
-                  </a:schemeClr>
-                </a:solidFill>
-                <a:prstDash val="solid"/>
-                <a:miter lim="800000"/>
-              </a14:hiddenLine>
-            </a:ext>
-          </a:extLst>
-        </p:spPr>
-        <p:style>
-          <a:lnRef idx="2">
-            <a:schemeClr val="accent1">
-              <a:shade val="50000"/>
-            </a:schemeClr>
-          </a:lnRef>
-          <a:fillRef idx="1">
-            <a:schemeClr val="accent1"/>
-          </a:fillRef>
-          <a:effectRef idx="0">
-            <a:schemeClr val="accent1"/>
-          </a:effectRef>
-          <a:fontRef idx="minor">
-            <a:schemeClr val="lt1"/>
-          </a:fontRef>
-        </p:style>
-        <p:txBody>
-          <a:bodyPr rtlCol="0" anchor="ctr"/>
-          <a:lstStyle/>
-          <a:p>
-            <a:pPr marL="0" marR="0" lvl="0" indent="0" algn="ctr" defTabSz="914400" rtl="0" eaLnBrk="1" fontAlgn="auto" latinLnBrk="0" hangingPunct="1">
-              <a:lnSpc>
-                <a:spcPct val="100000"/>
-              </a:lnSpc>
-              <a:spcBef>
-                <a:spcPts val="0"/>
-              </a:spcBef>
-              <a:spcAft>
-                <a:spcPts val="0"/>
-              </a:spcAft>
-              <a:buClrTx/>
-              <a:buSzTx/>
-              <a:buFontTx/>
-              <a:buNone/>
-              <a:tabLst/>
-              <a:defRPr/>
-            </a:pPr>
-            <a:endParaRPr kumimoji="0" lang="en-US" sz="1800" b="0" i="0" u="none" strike="noStrike" kern="1200" cap="none" spc="0" normalizeH="0" baseline="0" noProof="0">
-              <a:ln>
-                <a:noFill/>
-              </a:ln>
-              <a:solidFill>
-                <a:srgbClr val="FFFFFF"/>
-              </a:solidFill>
-              <a:effectLst/>
-              <a:uLnTx/>
-              <a:uFillTx/>
-              <a:latin typeface="Calisto MT"/>
-              <a:ea typeface="+mn-ea"/>
-              <a:cs typeface="+mn-cs"/>
-            </a:endParaRPr>
-          </a:p>
-        </p:txBody>
-      </p:sp>
       <p:cxnSp>
         <p:nvCxnSpPr>
-          <p:cNvPr id="10" name="Straight Connector 9">
-            <a:extLst>
-              <a:ext uri="{FF2B5EF4-FFF2-40B4-BE49-F238E27FC236}">
-                <a16:creationId xmlns:a16="http://schemas.microsoft.com/office/drawing/2014/main" id="{22F20000-FD86-48F6-9363-FEC90C932DCD}"/>
+          <p:cNvPr id="8" name="Straight Connector 7">
+            <a:extLst>
+              <a:ext uri="{FF2B5EF4-FFF2-40B4-BE49-F238E27FC236}">
+                <a16:creationId xmlns:a16="http://schemas.microsoft.com/office/drawing/2014/main" id="{F64F9B95-9045-48D2-B9F3-2927E98F54AA}"/>
               </a:ext>
               <a:ext uri="{C183D7F6-B498-43B3-948B-1728B52AA6E4}">
                 <adec:decorative xmlns:adec="http://schemas.microsoft.com/office/drawing/2017/decorative" val="1"/>
@@ -4504,10 +5016,10 @@
       </p:cxnSp>
       <p:cxnSp>
         <p:nvCxnSpPr>
-          <p:cNvPr id="12" name="Straight Connector 11">
-            <a:extLst>
-              <a:ext uri="{FF2B5EF4-FFF2-40B4-BE49-F238E27FC236}">
-                <a16:creationId xmlns:a16="http://schemas.microsoft.com/office/drawing/2014/main" id="{872AE332-6ACA-45BE-875F-91A291D4A40D}"/>
+          <p:cNvPr id="10" name="Straight Connector 9">
+            <a:extLst>
+              <a:ext uri="{FF2B5EF4-FFF2-40B4-BE49-F238E27FC236}">
+                <a16:creationId xmlns:a16="http://schemas.microsoft.com/office/drawing/2014/main" id="{085AA86F-6A4D-4BCB-A045-D992CDC2959B}"/>
               </a:ext>
               <a:ext uri="{C183D7F6-B498-43B3-948B-1728B52AA6E4}">
                 <adec:decorative xmlns:adec="http://schemas.microsoft.com/office/drawing/2017/decorative" val="1"/>
@@ -4554,12 +5066,75 @@
           </a:fontRef>
         </p:style>
       </p:cxnSp>
+      <p:sp useBgFill="1">
+        <p:nvSpPr>
+          <p:cNvPr id="12" name="Rectangle 11">
+            <a:extLst>
+              <a:ext uri="{FF2B5EF4-FFF2-40B4-BE49-F238E27FC236}">
+                <a16:creationId xmlns:a16="http://schemas.microsoft.com/office/drawing/2014/main" id="{DEF92653-5D6D-47E6-8744-0DAF76E049C4}"/>
+              </a:ext>
+              <a:ext uri="{C183D7F6-B498-43B3-948B-1728B52AA6E4}">
+                <adec:decorative xmlns:adec="http://schemas.microsoft.com/office/drawing/2017/decorative" val="1"/>
+              </a:ext>
+            </a:extLst>
+          </p:cNvPr>
+          <p:cNvSpPr>
+            <a:spLocks noGrp="1" noRot="1" noChangeAspect="1" noMove="1" noResize="1" noEditPoints="1" noAdjustHandles="1" noChangeArrowheads="1" noChangeShapeType="1" noTextEdit="1"/>
+          </p:cNvSpPr>
+          <p:nvPr>
+            <p:extLst>
+              <p:ext uri="{386F3935-93C4-4BCD-93E2-E3B085C9AB24}">
+                <p16:designElem xmlns:p16="http://schemas.microsoft.com/office/powerpoint/2015/main" val="1"/>
+              </p:ext>
+            </p:extLst>
+          </p:nvPr>
+        </p:nvSpPr>
+        <p:spPr>
+          <a:xfrm>
+            <a:off x="0" y="0"/>
+            <a:ext cx="12192000" cy="6858000"/>
+          </a:xfrm>
+          <a:prstGeom prst="rect">
+            <a:avLst/>
+          </a:prstGeom>
+          <a:ln w="12700" cap="flat" cmpd="sng" algn="ctr">
+            <a:noFill/>
+            <a:prstDash val="solid"/>
+            <a:miter lim="800000"/>
+          </a:ln>
+          <a:effectLst/>
+        </p:spPr>
+        <p:style>
+          <a:lnRef idx="2">
+            <a:schemeClr val="accent1">
+              <a:shade val="50000"/>
+            </a:schemeClr>
+          </a:lnRef>
+          <a:fillRef idx="1">
+            <a:schemeClr val="accent1"/>
+          </a:fillRef>
+          <a:effectRef idx="0">
+            <a:schemeClr val="accent1"/>
+          </a:effectRef>
+          <a:fontRef idx="minor">
+            <a:schemeClr val="lt1"/>
+          </a:fontRef>
+        </p:style>
+        <p:txBody>
+          <a:bodyPr rtlCol="0" anchor="ctr"/>
+          <a:lstStyle/>
+          <a:p>
+            <a:pPr algn="ctr"/>
+            <a:endParaRPr lang="en-US"/>
+          </a:p>
+        </p:txBody>
+      </p:sp>
       <p:sp>
         <p:nvSpPr>
           <p:cNvPr id="2" name="Title 1">
             <a:extLst>
               <a:ext uri="{FF2B5EF4-FFF2-40B4-BE49-F238E27FC236}">
-                <a16:creationId xmlns:a16="http://schemas.microsoft.com/office/drawing/2014/main" id="{C7ABD415-4A59-8181-10C9-906F9FC47FDF}"/>
+                <a16:creationId xmlns:a16="http://schemas.microsoft.com/office/drawing/2014/main" id="{D52E6053-2555-85C7-9611-B4116C2553B1}"/>
               </a:ext>
             </a:extLst>
           </p:cNvPr>
@@ -4572,65 +5147,151 @@
         </p:nvSpPr>
         <p:spPr>
           <a:xfrm>
-            <a:off x="702129" y="914760"/>
-            <a:ext cx="3678485" cy="3543764"/>
-          </a:xfrm>
-        </p:spPr>
-        <p:txBody>
-          <a:bodyPr>
+            <a:off x="1409644" y="1447801"/>
+            <a:ext cx="10283452" cy="4886487"/>
+          </a:xfrm>
+        </p:spPr>
+        <p:txBody>
+          <a:bodyPr vert="horz" lIns="91440" tIns="45720" rIns="91440" bIns="45720" rtlCol="0" anchor="t">
             <a:normAutofit/>
           </a:bodyPr>
           <a:lstStyle/>
           <a:p>
             <a:r>
-              <a:rPr lang="en-US" dirty="0" err="1"/>
-              <a:t>OpenAI</a:t>
-            </a:r>
-            <a:endParaRPr lang="en-US" dirty="0"/>
-          </a:p>
-        </p:txBody>
-      </p:sp>
-      <p:sp>
-        <p:nvSpPr>
-          <p:cNvPr id="3" name="Content Placeholder 2">
-            <a:extLst>
-              <a:ext uri="{FF2B5EF4-FFF2-40B4-BE49-F238E27FC236}">
-                <a16:creationId xmlns:a16="http://schemas.microsoft.com/office/drawing/2014/main" id="{EF94800E-CE81-032A-BEE5-319A15B2CC33}"/>
-              </a:ext>
-            </a:extLst>
-          </p:cNvPr>
-          <p:cNvSpPr>
-            <a:spLocks noGrp="1"/>
-          </p:cNvSpPr>
-          <p:nvPr>
-            <p:ph idx="1"/>
-          </p:nvPr>
-        </p:nvSpPr>
-        <p:spPr>
-          <a:xfrm>
-            <a:off x="4773168" y="993228"/>
-            <a:ext cx="6720840" cy="4935981"/>
-          </a:xfrm>
-        </p:spPr>
-        <p:txBody>
-          <a:bodyPr>
-            <a:normAutofit/>
-          </a:bodyPr>
-          <a:lstStyle/>
-          <a:p>
-            <a:endParaRPr lang="en-US"/>
-          </a:p>
-        </p:txBody>
-      </p:sp>
+              <a:rPr lang="en-US" sz="6600" dirty="0"/>
+              <a:t>Chosen embedding Models:</a:t>
+            </a:r>
+            <a:br>
+              <a:rPr lang="en-US" sz="6600" dirty="0"/>
+            </a:br>
+            <a:r>
+              <a:rPr lang="en-US" sz="6600" dirty="0" err="1"/>
+              <a:t>openai</a:t>
+            </a:r>
+            <a:r>
+              <a:rPr lang="en-US" sz="6600" dirty="0"/>
+              <a:t>, SBERT, and glove</a:t>
+            </a:r>
+            <a:br>
+              <a:rPr lang="en-US" sz="6600" dirty="0"/>
+            </a:br>
+            <a:endParaRPr lang="en-US" sz="6600" dirty="0"/>
+          </a:p>
+        </p:txBody>
+      </p:sp>
+      <p:cxnSp>
+        <p:nvCxnSpPr>
+          <p:cNvPr id="14" name="Straight Connector 13">
+            <a:extLst>
+              <a:ext uri="{FF2B5EF4-FFF2-40B4-BE49-F238E27FC236}">
+                <a16:creationId xmlns:a16="http://schemas.microsoft.com/office/drawing/2014/main" id="{9CA98CE3-81A7-4FFE-A047-9AA65998D877}"/>
+              </a:ext>
+              <a:ext uri="{C183D7F6-B498-43B3-948B-1728B52AA6E4}">
+                <adec:decorative xmlns:adec="http://schemas.microsoft.com/office/drawing/2017/decorative" val="1"/>
+              </a:ext>
+            </a:extLst>
+          </p:cNvPr>
+          <p:cNvCxnSpPr>
+            <a:cxnSpLocks noGrp="1" noRot="1" noChangeAspect="1" noMove="1" noResize="1" noEditPoints="1" noAdjustHandles="1" noChangeArrowheads="1" noChangeShapeType="1"/>
+          </p:cNvCxnSpPr>
+          <p:nvPr>
+            <p:extLst>
+              <p:ext uri="{386F3935-93C4-4BCD-93E2-E3B085C9AB24}">
+                <p16:designElem xmlns:p16="http://schemas.microsoft.com/office/powerpoint/2015/main" val="1"/>
+              </p:ext>
+            </p:extLst>
+          </p:nvPr>
+        </p:nvCxnSpPr>
+        <p:spPr>
+          <a:xfrm>
+            <a:off x="800100" y="723900"/>
+            <a:ext cx="10591800" cy="0"/>
+          </a:xfrm>
+          <a:prstGeom prst="line">
+            <a:avLst/>
+          </a:prstGeom>
+          <a:ln w="44450">
+            <a:solidFill>
+              <a:schemeClr val="tx1"/>
+            </a:solidFill>
+          </a:ln>
+        </p:spPr>
+        <p:style>
+          <a:lnRef idx="1">
+            <a:schemeClr val="accent1"/>
+          </a:lnRef>
+          <a:fillRef idx="0">
+            <a:schemeClr val="accent1"/>
+          </a:fillRef>
+          <a:effectRef idx="0">
+            <a:schemeClr val="accent1"/>
+          </a:effectRef>
+          <a:fontRef idx="minor">
+            <a:schemeClr val="tx1"/>
+          </a:fontRef>
+        </p:style>
+      </p:cxnSp>
+      <p:cxnSp>
+        <p:nvCxnSpPr>
+          <p:cNvPr id="16" name="Straight Connector 15">
+            <a:extLst>
+              <a:ext uri="{FF2B5EF4-FFF2-40B4-BE49-F238E27FC236}">
+                <a16:creationId xmlns:a16="http://schemas.microsoft.com/office/drawing/2014/main" id="{18D91C2B-BDB9-49BE-9C44-E0CFE597ABFE}"/>
+              </a:ext>
+              <a:ext uri="{C183D7F6-B498-43B3-948B-1728B52AA6E4}">
+                <adec:decorative xmlns:adec="http://schemas.microsoft.com/office/drawing/2017/decorative" val="1"/>
+              </a:ext>
+            </a:extLst>
+          </p:cNvPr>
+          <p:cNvCxnSpPr>
+            <a:cxnSpLocks noGrp="1" noRot="1" noChangeAspect="1" noMove="1" noResize="1" noEditPoints="1" noAdjustHandles="1" noChangeArrowheads="1" noChangeShapeType="1"/>
+          </p:cNvCxnSpPr>
+          <p:nvPr>
+            <p:extLst>
+              <p:ext uri="{386F3935-93C4-4BCD-93E2-E3B085C9AB24}">
+                <p16:designElem xmlns:p16="http://schemas.microsoft.com/office/powerpoint/2015/main" val="1"/>
+              </p:ext>
+            </p:extLst>
+          </p:nvPr>
+        </p:nvCxnSpPr>
+        <p:spPr>
+          <a:xfrm>
+            <a:off x="800100" y="6134100"/>
+            <a:ext cx="10591800" cy="0"/>
+          </a:xfrm>
+          <a:prstGeom prst="line">
+            <a:avLst/>
+          </a:prstGeom>
+          <a:ln w="12700">
+            <a:solidFill>
+              <a:schemeClr val="tx1"/>
+            </a:solidFill>
+          </a:ln>
+        </p:spPr>
+        <p:style>
+          <a:lnRef idx="1">
+            <a:schemeClr val="accent1"/>
+          </a:lnRef>
+          <a:fillRef idx="0">
+            <a:schemeClr val="accent1"/>
+          </a:fillRef>
+          <a:effectRef idx="0">
+            <a:schemeClr val="accent1"/>
+          </a:effectRef>
+          <a:fontRef idx="minor">
+            <a:schemeClr val="tx1"/>
+          </a:fontRef>
+        </p:style>
+      </p:cxnSp>
     </p:spTree>
     <p:extLst>
       <p:ext uri="{BB962C8B-B14F-4D97-AF65-F5344CB8AC3E}">
-        <p14:creationId xmlns:p14="http://schemas.microsoft.com/office/powerpoint/2010/main" val="3510414543"/>
+        <p14:creationId xmlns:p14="http://schemas.microsoft.com/office/powerpoint/2010/main" val="2277091966"/>
       </p:ext>
     </p:extLst>
   </p:cSld>
   <p:clrMapOvr>
-    <a:masterClrMapping/>
+    <a:overrideClrMapping bg1="dk1" tx1="lt1" bg2="dk2" tx2="lt2" accent1="accent1" accent2="accent2" accent3="accent3" accent4="accent4" accent5="accent5" accent6="accent6" hlink="hlink" folHlink="folHlink"/>
   </p:clrMapOvr>
 </p:sld>
 </file>
@@ -4662,10 +5323,10 @@
       </p:grpSpPr>
       <p:sp useBgFill="1">
         <p:nvSpPr>
-          <p:cNvPr id="8" name="Rectangle 7">
-            <a:extLst>
-              <a:ext uri="{FF2B5EF4-FFF2-40B4-BE49-F238E27FC236}">
-                <a16:creationId xmlns:a16="http://schemas.microsoft.com/office/drawing/2014/main" id="{5F710FDB-0919-493E-8539-8240C23F1EB2}"/>
+          <p:cNvPr id="19" name="Rectangle 18">
+            <a:extLst>
+              <a:ext uri="{FF2B5EF4-FFF2-40B4-BE49-F238E27FC236}">
+                <a16:creationId xmlns:a16="http://schemas.microsoft.com/office/drawing/2014/main" id="{E49D7415-2F11-44C2-B6AA-13A25B6814B9}"/>
               </a:ext>
               <a:ext uri="{C183D7F6-B498-43B3-948B-1728B52AA6E4}">
                 <adec:decorative xmlns:adec="http://schemas.microsoft.com/office/drawing/2017/decorative" val="1"/>
@@ -4731,46 +5392,52 @@
           <a:bodyPr rtlCol="0" anchor="ctr"/>
           <a:lstStyle/>
           <a:p>
-            <a:pPr marL="0" marR="0" lvl="0" indent="0" algn="ctr" defTabSz="914400" rtl="0" eaLnBrk="1" fontAlgn="auto" latinLnBrk="0" hangingPunct="1">
-              <a:lnSpc>
-                <a:spcPct val="100000"/>
-              </a:lnSpc>
-              <a:spcBef>
-                <a:spcPts val="0"/>
-              </a:spcBef>
-              <a:spcAft>
-                <a:spcPts val="0"/>
-              </a:spcAft>
-              <a:buClrTx/>
-              <a:buSzTx/>
-              <a:buFontTx/>
-              <a:buNone/>
-              <a:tabLst/>
-              <a:defRPr/>
-            </a:pPr>
-            <a:endParaRPr kumimoji="0" lang="en-US" sz="1800" b="0" i="0" u="none" strike="noStrike" kern="1200" cap="none" spc="0" normalizeH="0" baseline="0" noProof="0">
-              <a:ln>
-                <a:noFill/>
-              </a:ln>
-              <a:solidFill>
-                <a:srgbClr val="FFFFFF"/>
-              </a:solidFill>
-              <a:effectLst/>
-              <a:uLnTx/>
-              <a:uFillTx/>
-              <a:latin typeface="Calisto MT"/>
-              <a:ea typeface="+mn-ea"/>
-              <a:cs typeface="+mn-cs"/>
-            </a:endParaRPr>
+            <a:pPr algn="ctr"/>
+            <a:endParaRPr lang="en-US"/>
+          </a:p>
+        </p:txBody>
+      </p:sp>
+      <p:sp>
+        <p:nvSpPr>
+          <p:cNvPr id="2" name="Title 1">
+            <a:extLst>
+              <a:ext uri="{FF2B5EF4-FFF2-40B4-BE49-F238E27FC236}">
+                <a16:creationId xmlns:a16="http://schemas.microsoft.com/office/drawing/2014/main" id="{C7ABD415-4A59-8181-10C9-906F9FC47FDF}"/>
+              </a:ext>
+            </a:extLst>
+          </p:cNvPr>
+          <p:cNvSpPr>
+            <a:spLocks noGrp="1"/>
+          </p:cNvSpPr>
+          <p:nvPr>
+            <p:ph type="title"/>
+          </p:nvPr>
+        </p:nvSpPr>
+        <p:spPr>
+          <a:xfrm>
+            <a:off x="704088" y="914400"/>
+            <a:ext cx="3799763" cy="1473200"/>
+          </a:xfrm>
+        </p:spPr>
+        <p:txBody>
+          <a:bodyPr>
+            <a:normAutofit/>
+          </a:bodyPr>
+          <a:lstStyle/>
+          <a:p>
+            <a:r>
+              <a:rPr lang="en-US" sz="3600"/>
+              <a:t>OpenAI</a:t>
+            </a:r>
           </a:p>
         </p:txBody>
       </p:sp>
       <p:cxnSp>
         <p:nvCxnSpPr>
-          <p:cNvPr id="10" name="Straight Connector 9">
-            <a:extLst>
-              <a:ext uri="{FF2B5EF4-FFF2-40B4-BE49-F238E27FC236}">
-                <a16:creationId xmlns:a16="http://schemas.microsoft.com/office/drawing/2014/main" id="{22F20000-FD86-48F6-9363-FEC90C932DCD}"/>
+          <p:cNvPr id="21" name="Straight Connector 20">
+            <a:extLst>
+              <a:ext uri="{FF2B5EF4-FFF2-40B4-BE49-F238E27FC236}">
+                <a16:creationId xmlns:a16="http://schemas.microsoft.com/office/drawing/2014/main" id="{D2E57F3D-33BE-4306-87E6-245763719516}"/>
               </a:ext>
               <a:ext uri="{C183D7F6-B498-43B3-948B-1728B52AA6E4}">
                 <adec:decorative xmlns:adec="http://schemas.microsoft.com/office/drawing/2017/decorative" val="1"/>
@@ -4790,8 +5457,8 @@
         </p:nvCxnSpPr>
         <p:spPr>
           <a:xfrm>
-            <a:off x="800100" y="723900"/>
-            <a:ext cx="10591800" cy="0"/>
+            <a:off x="804672" y="722376"/>
+            <a:ext cx="1638300" cy="0"/>
           </a:xfrm>
           <a:prstGeom prst="line">
             <a:avLst/>
@@ -4817,64 +5484,12 @@
           </a:fontRef>
         </p:style>
       </p:cxnSp>
-      <p:cxnSp>
-        <p:nvCxnSpPr>
-          <p:cNvPr id="12" name="Straight Connector 11">
-            <a:extLst>
-              <a:ext uri="{FF2B5EF4-FFF2-40B4-BE49-F238E27FC236}">
-                <a16:creationId xmlns:a16="http://schemas.microsoft.com/office/drawing/2014/main" id="{872AE332-6ACA-45BE-875F-91A291D4A40D}"/>
-              </a:ext>
-              <a:ext uri="{C183D7F6-B498-43B3-948B-1728B52AA6E4}">
-                <adec:decorative xmlns:adec="http://schemas.microsoft.com/office/drawing/2017/decorative" val="1"/>
-              </a:ext>
-            </a:extLst>
-          </p:cNvPr>
-          <p:cNvCxnSpPr>
-            <a:cxnSpLocks noGrp="1" noRot="1" noChangeAspect="1" noMove="1" noResize="1" noEditPoints="1" noAdjustHandles="1" noChangeArrowheads="1" noChangeShapeType="1"/>
-          </p:cNvCxnSpPr>
-          <p:nvPr>
-            <p:extLst>
-              <p:ext uri="{386F3935-93C4-4BCD-93E2-E3B085C9AB24}">
-                <p16:designElem xmlns:p16="http://schemas.microsoft.com/office/powerpoint/2015/main" val="1"/>
-              </p:ext>
-            </p:extLst>
-          </p:nvPr>
-        </p:nvCxnSpPr>
-        <p:spPr>
-          <a:xfrm>
-            <a:off x="800100" y="6142781"/>
-            <a:ext cx="10591800" cy="0"/>
-          </a:xfrm>
-          <a:prstGeom prst="line">
-            <a:avLst/>
-          </a:prstGeom>
-          <a:ln w="12700">
-            <a:solidFill>
-              <a:schemeClr val="tx1"/>
-            </a:solidFill>
-          </a:ln>
-        </p:spPr>
-        <p:style>
-          <a:lnRef idx="1">
-            <a:schemeClr val="accent1"/>
-          </a:lnRef>
-          <a:fillRef idx="0">
-            <a:schemeClr val="accent1"/>
-          </a:fillRef>
-          <a:effectRef idx="0">
-            <a:schemeClr val="accent1"/>
-          </a:effectRef>
-          <a:fontRef idx="minor">
-            <a:schemeClr val="tx1"/>
-          </a:fontRef>
-        </p:style>
-      </p:cxnSp>
-      <p:sp>
-        <p:nvSpPr>
-          <p:cNvPr id="2" name="Title 1">
-            <a:extLst>
-              <a:ext uri="{FF2B5EF4-FFF2-40B4-BE49-F238E27FC236}">
-                <a16:creationId xmlns:a16="http://schemas.microsoft.com/office/drawing/2014/main" id="{C7ABD415-4A59-8181-10C9-906F9FC47FDF}"/>
+      <p:sp>
+        <p:nvSpPr>
+          <p:cNvPr id="16" name="Content Placeholder 15">
+            <a:extLst>
+              <a:ext uri="{FF2B5EF4-FFF2-40B4-BE49-F238E27FC236}">
+                <a16:creationId xmlns:a16="http://schemas.microsoft.com/office/drawing/2014/main" id="{8B74E630-E427-FCFD-28DA-DAD89334C9C6}"/>
               </a:ext>
             </a:extLst>
           </p:cNvPr>
@@ -4882,13 +5497,13 @@
             <a:spLocks noGrp="1"/>
           </p:cNvSpPr>
           <p:nvPr>
-            <p:ph type="title"/>
-          </p:nvPr>
-        </p:nvSpPr>
-        <p:spPr>
-          <a:xfrm>
-            <a:off x="702129" y="914760"/>
-            <a:ext cx="3678485" cy="3543764"/>
+            <p:ph idx="1"/>
+          </p:nvPr>
+        </p:nvSpPr>
+        <p:spPr>
+          <a:xfrm>
+            <a:off x="704088" y="2387600"/>
+            <a:ext cx="3799763" cy="3767328"/>
           </a:xfrm>
         </p:spPr>
         <p:txBody>
@@ -4898,49 +5513,102 @@
           <a:lstStyle/>
           <a:p>
             <a:r>
+              <a:rPr lang="en-US" dirty="0"/>
+              <a:t>Cool website where you can visualize </a:t>
+            </a:r>
+            <a:r>
               <a:rPr lang="en-US" dirty="0" err="1"/>
-              <a:t>sbert</a:t>
-            </a:r>
-            <a:endParaRPr lang="en-US" dirty="0"/>
-          </a:p>
-        </p:txBody>
-      </p:sp>
-      <p:sp>
-        <p:nvSpPr>
-          <p:cNvPr id="3" name="Content Placeholder 2">
-            <a:extLst>
-              <a:ext uri="{FF2B5EF4-FFF2-40B4-BE49-F238E27FC236}">
-                <a16:creationId xmlns:a16="http://schemas.microsoft.com/office/drawing/2014/main" id="{EF94800E-CE81-032A-BEE5-319A15B2CC33}"/>
-              </a:ext>
-            </a:extLst>
-          </p:cNvPr>
-          <p:cNvSpPr>
-            <a:spLocks noGrp="1"/>
-          </p:cNvSpPr>
-          <p:nvPr>
-            <p:ph idx="1"/>
-          </p:nvPr>
-        </p:nvSpPr>
-        <p:spPr>
-          <a:xfrm>
-            <a:off x="4773168" y="993228"/>
-            <a:ext cx="6720840" cy="4935981"/>
-          </a:xfrm>
-        </p:spPr>
-        <p:txBody>
-          <a:bodyPr>
-            <a:normAutofit/>
+              <a:t>OpenAI’s</a:t>
+            </a:r>
+            <a:r>
+              <a:rPr lang="en-US" dirty="0"/>
+              <a:t> embeddings </a:t>
+            </a:r>
+          </a:p>
+          <a:p>
+            <a:r>
+              <a:rPr lang="en-US" dirty="0"/>
+              <a:t>https://</a:t>
+            </a:r>
+            <a:r>
+              <a:rPr lang="en-US" dirty="0" err="1"/>
+              <a:t>openai.com</a:t>
+            </a:r>
+            <a:r>
+              <a:rPr lang="en-US" dirty="0"/>
+              <a:t>/index/introducing-text-and-code-embeddings/</a:t>
+            </a:r>
+          </a:p>
+        </p:txBody>
+      </p:sp>
+      <p:pic>
+        <p:nvPicPr>
+          <p:cNvPr id="5" name="Content Placeholder 4" descr="A screenshot of a computer screen&#10;&#10;Description automatically generated">
+            <a:extLst>
+              <a:ext uri="{FF2B5EF4-FFF2-40B4-BE49-F238E27FC236}">
+                <a16:creationId xmlns:a16="http://schemas.microsoft.com/office/drawing/2014/main" id="{69AED106-45F9-7F3C-B94A-2186814F8263}"/>
+              </a:ext>
+            </a:extLst>
+          </p:cNvPr>
+          <p:cNvPicPr>
+            <a:picLocks noChangeAspect="1"/>
+          </p:cNvPicPr>
+          <p:nvPr/>
+        </p:nvPicPr>
+        <p:blipFill>
+          <a:blip r:embed="rId2"/>
+          <a:srcRect t="870" r="2" b="10363"/>
+          <a:stretch/>
+        </p:blipFill>
+        <p:spPr>
+          <a:xfrm>
+            <a:off x="4981575" y="735286"/>
+            <a:ext cx="6495042" cy="5419642"/>
+          </a:xfrm>
+          <a:prstGeom prst="rect">
+            <a:avLst/>
+          </a:prstGeom>
+        </p:spPr>
+      </p:pic>
+      <p:sp>
+        <p:nvSpPr>
+          <p:cNvPr id="9" name="TextBox 8">
+            <a:extLst>
+              <a:ext uri="{FF2B5EF4-FFF2-40B4-BE49-F238E27FC236}">
+                <a16:creationId xmlns:a16="http://schemas.microsoft.com/office/drawing/2014/main" id="{038F3FD8-A577-6A02-DA06-458576B75A37}"/>
+              </a:ext>
+            </a:extLst>
+          </p:cNvPr>
+          <p:cNvSpPr txBox="1"/>
+          <p:nvPr/>
+        </p:nvSpPr>
+        <p:spPr>
+          <a:xfrm>
+            <a:off x="10602097" y="6351373"/>
+            <a:ext cx="1136822" cy="369332"/>
+          </a:xfrm>
+          <a:prstGeom prst="rect">
+            <a:avLst/>
+          </a:prstGeom>
+          <a:noFill/>
+        </p:spPr>
+        <p:txBody>
+          <a:bodyPr wrap="square" rtlCol="0">
+            <a:spAutoFit/>
           </a:bodyPr>
           <a:lstStyle/>
           <a:p>
-            <a:endParaRPr lang="en-US"/>
+            <a:r>
+              <a:rPr lang="en-US" dirty="0"/>
+              <a:t>[1]</a:t>
+            </a:r>
           </a:p>
         </p:txBody>
       </p:sp>
     </p:spTree>
     <p:extLst>
       <p:ext uri="{BB962C8B-B14F-4D97-AF65-F5344CB8AC3E}">
-        <p14:creationId xmlns:p14="http://schemas.microsoft.com/office/powerpoint/2010/main" val="1686487471"/>
+        <p14:creationId xmlns:p14="http://schemas.microsoft.com/office/powerpoint/2010/main" val="3510414543"/>
       </p:ext>
     </p:extLst>
   </p:cSld>
@@ -4975,6 +5643,122 @@
           <a:chExt cx="0" cy="0"/>
         </a:xfrm>
       </p:grpSpPr>
+      <p:sp>
+        <p:nvSpPr>
+          <p:cNvPr id="26" name="Rectangle 25">
+            <a:extLst>
+              <a:ext uri="{FF2B5EF4-FFF2-40B4-BE49-F238E27FC236}">
+                <a16:creationId xmlns:a16="http://schemas.microsoft.com/office/drawing/2014/main" id="{3EE6B55F-FC4C-B054-B100-B8C80BFDB5DE}"/>
+              </a:ext>
+            </a:extLst>
+          </p:cNvPr>
+          <p:cNvSpPr/>
+          <p:nvPr/>
+        </p:nvSpPr>
+        <p:spPr>
+          <a:xfrm>
+            <a:off x="9484915" y="921298"/>
+            <a:ext cx="2575280" cy="1154995"/>
+          </a:xfrm>
+          <a:prstGeom prst="rect">
+            <a:avLst/>
+          </a:prstGeom>
+          <a:solidFill>
+            <a:schemeClr val="accent2">
+              <a:lumMod val="20000"/>
+              <a:lumOff val="80000"/>
+            </a:schemeClr>
+          </a:solidFill>
+          <a:ln w="12700" cap="flat" cmpd="sng" algn="ctr">
+            <a:noFill/>
+            <a:prstDash val="solid"/>
+            <a:miter lim="800000"/>
+          </a:ln>
+          <a:effectLst/>
+        </p:spPr>
+        <p:style>
+          <a:lnRef idx="2">
+            <a:schemeClr val="accent1">
+              <a:shade val="50000"/>
+            </a:schemeClr>
+          </a:lnRef>
+          <a:fillRef idx="1">
+            <a:schemeClr val="accent1"/>
+          </a:fillRef>
+          <a:effectRef idx="0">
+            <a:schemeClr val="accent1"/>
+          </a:effectRef>
+          <a:fontRef idx="minor">
+            <a:schemeClr val="lt1"/>
+          </a:fontRef>
+        </p:style>
+        <p:txBody>
+          <a:bodyPr rtlCol="0" anchor="ctr"/>
+          <a:lstStyle/>
+          <a:p>
+            <a:pPr algn="ctr"/>
+            <a:endParaRPr lang="en-US"/>
+          </a:p>
+        </p:txBody>
+      </p:sp>
+      <p:sp>
+        <p:nvSpPr>
+          <p:cNvPr id="22" name="Rectangle 21">
+            <a:extLst>
+              <a:ext uri="{FF2B5EF4-FFF2-40B4-BE49-F238E27FC236}">
+                <a16:creationId xmlns:a16="http://schemas.microsoft.com/office/drawing/2014/main" id="{D69F7478-A135-0D71-8335-F41D17C7EC5C}"/>
+              </a:ext>
+            </a:extLst>
+          </p:cNvPr>
+          <p:cNvSpPr/>
+          <p:nvPr/>
+        </p:nvSpPr>
+        <p:spPr>
+          <a:xfrm>
+            <a:off x="285465" y="3323917"/>
+            <a:ext cx="2542380" cy="1805113"/>
+          </a:xfrm>
+          <a:prstGeom prst="rect">
+            <a:avLst/>
+          </a:prstGeom>
+          <a:solidFill>
+            <a:schemeClr val="accent2">
+              <a:lumMod val="40000"/>
+              <a:lumOff val="60000"/>
+            </a:schemeClr>
+          </a:solidFill>
+          <a:ln w="12700" cap="flat" cmpd="sng" algn="ctr">
+            <a:noFill/>
+            <a:prstDash val="solid"/>
+            <a:miter lim="800000"/>
+          </a:ln>
+          <a:effectLst/>
+        </p:spPr>
+        <p:style>
+          <a:lnRef idx="2">
+            <a:schemeClr val="accent1">
+              <a:shade val="50000"/>
+            </a:schemeClr>
+          </a:lnRef>
+          <a:fillRef idx="1">
+            <a:schemeClr val="accent1"/>
+          </a:fillRef>
+          <a:effectRef idx="0">
+            <a:schemeClr val="accent1"/>
+          </a:effectRef>
+          <a:fontRef idx="minor">
+            <a:schemeClr val="lt1"/>
+          </a:fontRef>
+        </p:style>
+        <p:txBody>
+          <a:bodyPr rtlCol="0" anchor="ctr"/>
+          <a:lstStyle/>
+          <a:p>
+            <a:pPr algn="ctr"/>
+            <a:endParaRPr lang="en-US"/>
+          </a:p>
+        </p:txBody>
+      </p:sp>
       <p:sp useBgFill="1">
         <p:nvSpPr>
           <p:cNvPr id="8" name="Rectangle 7">
@@ -5202,59 +5986,345 @@
         </p:nvSpPr>
         <p:spPr>
           <a:xfrm>
-            <a:off x="702129" y="914760"/>
-            <a:ext cx="3678485" cy="3543764"/>
+            <a:off x="800100" y="115862"/>
+            <a:ext cx="1609185" cy="636973"/>
           </a:xfrm>
         </p:spPr>
         <p:txBody>
           <a:bodyPr>
-            <a:normAutofit/>
+            <a:normAutofit fontScale="90000"/>
           </a:bodyPr>
           <a:lstStyle/>
           <a:p>
             <a:r>
-              <a:rPr lang="en-US" dirty="0"/>
-              <a:t>glove</a:t>
-            </a:r>
-          </a:p>
-        </p:txBody>
-      </p:sp>
-      <p:sp>
-        <p:nvSpPr>
-          <p:cNvPr id="3" name="Content Placeholder 2">
-            <a:extLst>
-              <a:ext uri="{FF2B5EF4-FFF2-40B4-BE49-F238E27FC236}">
-                <a16:creationId xmlns:a16="http://schemas.microsoft.com/office/drawing/2014/main" id="{EF94800E-CE81-032A-BEE5-319A15B2CC33}"/>
-              </a:ext>
-            </a:extLst>
-          </p:cNvPr>
-          <p:cNvSpPr>
-            <a:spLocks noGrp="1"/>
-          </p:cNvSpPr>
-          <p:nvPr>
-            <p:ph idx="1"/>
-          </p:nvPr>
-        </p:nvSpPr>
-        <p:spPr>
-          <a:xfrm>
-            <a:off x="4773168" y="993228"/>
-            <a:ext cx="6720840" cy="4935981"/>
-          </a:xfrm>
-        </p:spPr>
-        <p:txBody>
-          <a:bodyPr>
-            <a:normAutofit/>
+              <a:rPr lang="en-US" dirty="0" err="1"/>
+              <a:t>sbert</a:t>
+            </a:r>
+            <a:endParaRPr lang="en-US" dirty="0"/>
+          </a:p>
+        </p:txBody>
+      </p:sp>
+      <p:sp>
+        <p:nvSpPr>
+          <p:cNvPr id="6" name="TextBox 5">
+            <a:extLst>
+              <a:ext uri="{FF2B5EF4-FFF2-40B4-BE49-F238E27FC236}">
+                <a16:creationId xmlns:a16="http://schemas.microsoft.com/office/drawing/2014/main" id="{DE733F94-5E23-59F7-EE76-5BF7E51FB5B8}"/>
+              </a:ext>
+            </a:extLst>
+          </p:cNvPr>
+          <p:cNvSpPr txBox="1"/>
+          <p:nvPr/>
+        </p:nvSpPr>
+        <p:spPr>
+          <a:xfrm>
+            <a:off x="5696465" y="6340179"/>
+            <a:ext cx="6203092" cy="369332"/>
+          </a:xfrm>
+          <a:prstGeom prst="rect">
+            <a:avLst/>
+          </a:prstGeom>
+          <a:noFill/>
+        </p:spPr>
+        <p:txBody>
+          <a:bodyPr wrap="square" rtlCol="0">
+            <a:spAutoFit/>
           </a:bodyPr>
           <a:lstStyle/>
           <a:p>
-            <a:endParaRPr lang="en-US"/>
+            <a:r>
+              <a:rPr lang="en-US" dirty="0"/>
+              <a:t>https://</a:t>
+            </a:r>
+            <a:r>
+              <a:rPr lang="en-US" dirty="0" err="1"/>
+              <a:t>tinkerd.net</a:t>
+            </a:r>
+            <a:r>
+              <a:rPr lang="en-US" dirty="0"/>
+              <a:t>/blog/machine-learning/</a:t>
+            </a:r>
+            <a:r>
+              <a:rPr lang="en-US" dirty="0" err="1"/>
+              <a:t>bert</a:t>
+            </a:r>
+            <a:r>
+              <a:rPr lang="en-US" dirty="0"/>
+              <a:t>-embeddings/</a:t>
+            </a:r>
+          </a:p>
+        </p:txBody>
+      </p:sp>
+      <p:pic>
+        <p:nvPicPr>
+          <p:cNvPr id="9" name="Picture 8" descr="A diagram of different positions&#10;&#10;Description automatically generated with medium confidence">
+            <a:extLst>
+              <a:ext uri="{FF2B5EF4-FFF2-40B4-BE49-F238E27FC236}">
+                <a16:creationId xmlns:a16="http://schemas.microsoft.com/office/drawing/2014/main" id="{E2A9CA76-CACE-0646-05A5-66DAFF86D5F3}"/>
+              </a:ext>
+            </a:extLst>
+          </p:cNvPr>
+          <p:cNvPicPr>
+            <a:picLocks noChangeAspect="1"/>
+          </p:cNvPicPr>
+          <p:nvPr/>
+        </p:nvPicPr>
+        <p:blipFill>
+          <a:blip r:embed="rId2"/>
+          <a:stretch>
+            <a:fillRect/>
+          </a:stretch>
+        </p:blipFill>
+        <p:spPr>
+          <a:xfrm>
+            <a:off x="3128168" y="828670"/>
+            <a:ext cx="5935663" cy="2495247"/>
+          </a:xfrm>
+          <a:prstGeom prst="rect">
+            <a:avLst/>
+          </a:prstGeom>
+        </p:spPr>
+      </p:pic>
+      <p:pic>
+        <p:nvPicPr>
+          <p:cNvPr id="13" name="Picture 12" descr="A screenshot of a video chat&#10;&#10;Description automatically generated">
+            <a:extLst>
+              <a:ext uri="{FF2B5EF4-FFF2-40B4-BE49-F238E27FC236}">
+                <a16:creationId xmlns:a16="http://schemas.microsoft.com/office/drawing/2014/main" id="{1B9D4EA5-AE2A-0895-8D37-8A826A6903C5}"/>
+              </a:ext>
+            </a:extLst>
+          </p:cNvPr>
+          <p:cNvPicPr>
+            <a:picLocks noChangeAspect="1"/>
+          </p:cNvPicPr>
+          <p:nvPr/>
+        </p:nvPicPr>
+        <p:blipFill>
+          <a:blip r:embed="rId3"/>
+          <a:stretch>
+            <a:fillRect/>
+          </a:stretch>
+        </p:blipFill>
+        <p:spPr>
+          <a:xfrm>
+            <a:off x="2409285" y="3384964"/>
+            <a:ext cx="7658895" cy="2653048"/>
+          </a:xfrm>
+          <a:prstGeom prst="rect">
+            <a:avLst/>
+          </a:prstGeom>
+        </p:spPr>
+      </p:pic>
+      <p:sp>
+        <p:nvSpPr>
+          <p:cNvPr id="16" name="TextBox 15">
+            <a:extLst>
+              <a:ext uri="{FF2B5EF4-FFF2-40B4-BE49-F238E27FC236}">
+                <a16:creationId xmlns:a16="http://schemas.microsoft.com/office/drawing/2014/main" id="{6E6F7435-414B-EB38-16CC-3E2F52473179}"/>
+              </a:ext>
+            </a:extLst>
+          </p:cNvPr>
+          <p:cNvSpPr txBox="1"/>
+          <p:nvPr/>
+        </p:nvSpPr>
+        <p:spPr>
+          <a:xfrm>
+            <a:off x="285465" y="3429000"/>
+            <a:ext cx="2542380" cy="1477328"/>
+          </a:xfrm>
+          <a:prstGeom prst="rect">
+            <a:avLst/>
+          </a:prstGeom>
+          <a:solidFill>
+            <a:schemeClr val="accent2">
+              <a:lumMod val="20000"/>
+              <a:lumOff val="80000"/>
+            </a:schemeClr>
+          </a:solidFill>
+        </p:spPr>
+        <p:txBody>
+          <a:bodyPr wrap="square" rtlCol="0">
+            <a:spAutoFit/>
+          </a:bodyPr>
+          <a:lstStyle/>
+          <a:p>
+            <a:r>
+              <a:rPr lang="en-US" dirty="0"/>
+              <a:t>Cool website where you can dynamically enter a word to see similar words within the </a:t>
+            </a:r>
+            <a:r>
+              <a:rPr lang="en-US" dirty="0" err="1"/>
+              <a:t>sbert</a:t>
+            </a:r>
+            <a:r>
+              <a:rPr lang="en-US" dirty="0"/>
+              <a:t> embedding model</a:t>
+            </a:r>
+          </a:p>
+        </p:txBody>
+      </p:sp>
+      <p:cxnSp>
+        <p:nvCxnSpPr>
+          <p:cNvPr id="20" name="Elbow Connector 19">
+            <a:extLst>
+              <a:ext uri="{FF2B5EF4-FFF2-40B4-BE49-F238E27FC236}">
+                <a16:creationId xmlns:a16="http://schemas.microsoft.com/office/drawing/2014/main" id="{45D69BD7-C50F-32AD-A2EA-A9442F2FE1AE}"/>
+              </a:ext>
+            </a:extLst>
+          </p:cNvPr>
+          <p:cNvCxnSpPr>
+            <a:stCxn id="16" idx="2"/>
+          </p:cNvCxnSpPr>
+          <p:nvPr/>
+        </p:nvCxnSpPr>
+        <p:spPr>
+          <a:xfrm rot="16200000" flipH="1">
+            <a:off x="1884363" y="4578620"/>
+            <a:ext cx="445405" cy="1100820"/>
+          </a:xfrm>
+          <a:prstGeom prst="bentConnector2">
+            <a:avLst/>
+          </a:prstGeom>
+          <a:ln>
+            <a:tailEnd type="triangle"/>
+          </a:ln>
+        </p:spPr>
+        <p:style>
+          <a:lnRef idx="1">
+            <a:schemeClr val="accent1"/>
+          </a:lnRef>
+          <a:fillRef idx="0">
+            <a:schemeClr val="accent1"/>
+          </a:fillRef>
+          <a:effectRef idx="0">
+            <a:schemeClr val="accent1"/>
+          </a:effectRef>
+          <a:fontRef idx="minor">
+            <a:schemeClr val="tx1"/>
+          </a:fontRef>
+        </p:style>
+      </p:cxnSp>
+      <p:sp>
+        <p:nvSpPr>
+          <p:cNvPr id="24" name="TextBox 23">
+            <a:extLst>
+              <a:ext uri="{FF2B5EF4-FFF2-40B4-BE49-F238E27FC236}">
+                <a16:creationId xmlns:a16="http://schemas.microsoft.com/office/drawing/2014/main" id="{684687D0-22C3-1E73-EA7D-7B662933EE79}"/>
+              </a:ext>
+            </a:extLst>
+          </p:cNvPr>
+          <p:cNvSpPr txBox="1"/>
+          <p:nvPr/>
+        </p:nvSpPr>
+        <p:spPr>
+          <a:xfrm>
+            <a:off x="9712411" y="1053284"/>
+            <a:ext cx="2286000" cy="923330"/>
+          </a:xfrm>
+          <a:prstGeom prst="rect">
+            <a:avLst/>
+          </a:prstGeom>
+          <a:solidFill>
+            <a:schemeClr val="accent2">
+              <a:lumMod val="20000"/>
+              <a:lumOff val="80000"/>
+            </a:schemeClr>
+          </a:solidFill>
+        </p:spPr>
+        <p:txBody>
+          <a:bodyPr wrap="square" rtlCol="0">
+            <a:spAutoFit/>
+          </a:bodyPr>
+          <a:lstStyle/>
+          <a:p>
+            <a:r>
+              <a:rPr lang="en-US" dirty="0"/>
+              <a:t>Position embeddings give more meaning to word tokens</a:t>
+            </a:r>
+          </a:p>
+        </p:txBody>
+      </p:sp>
+      <p:cxnSp>
+        <p:nvCxnSpPr>
+          <p:cNvPr id="28" name="Elbow Connector 27">
+            <a:extLst>
+              <a:ext uri="{FF2B5EF4-FFF2-40B4-BE49-F238E27FC236}">
+                <a16:creationId xmlns:a16="http://schemas.microsoft.com/office/drawing/2014/main" id="{FFE5E301-61B6-62ED-B4EE-4A63C7811AB8}"/>
+              </a:ext>
+            </a:extLst>
+          </p:cNvPr>
+          <p:cNvCxnSpPr>
+            <a:cxnSpLocks/>
+            <a:stCxn id="24" idx="2"/>
+          </p:cNvCxnSpPr>
+          <p:nvPr/>
+        </p:nvCxnSpPr>
+        <p:spPr>
+          <a:xfrm rot="5400000">
+            <a:off x="9615566" y="1033583"/>
+            <a:ext cx="296814" cy="2182877"/>
+          </a:xfrm>
+          <a:prstGeom prst="bentConnector2">
+            <a:avLst/>
+          </a:prstGeom>
+          <a:ln>
+            <a:tailEnd type="triangle"/>
+          </a:ln>
+        </p:spPr>
+        <p:style>
+          <a:lnRef idx="1">
+            <a:schemeClr val="accent1"/>
+          </a:lnRef>
+          <a:fillRef idx="0">
+            <a:schemeClr val="accent1"/>
+          </a:fillRef>
+          <a:effectRef idx="0">
+            <a:schemeClr val="accent1"/>
+          </a:effectRef>
+          <a:fontRef idx="minor">
+            <a:schemeClr val="tx1"/>
+          </a:fontRef>
+        </p:style>
+      </p:cxnSp>
+      <p:sp>
+        <p:nvSpPr>
+          <p:cNvPr id="30" name="TextBox 29">
+            <a:extLst>
+              <a:ext uri="{FF2B5EF4-FFF2-40B4-BE49-F238E27FC236}">
+                <a16:creationId xmlns:a16="http://schemas.microsoft.com/office/drawing/2014/main" id="{9321F28E-F181-752C-89EC-C6148F3AF44A}"/>
+              </a:ext>
+            </a:extLst>
+          </p:cNvPr>
+          <p:cNvSpPr txBox="1"/>
+          <p:nvPr/>
+        </p:nvSpPr>
+        <p:spPr>
+          <a:xfrm>
+            <a:off x="383059" y="6340179"/>
+            <a:ext cx="951471" cy="369332"/>
+          </a:xfrm>
+          <a:prstGeom prst="rect">
+            <a:avLst/>
+          </a:prstGeom>
+          <a:noFill/>
+        </p:spPr>
+        <p:txBody>
+          <a:bodyPr wrap="square" rtlCol="0">
+            <a:spAutoFit/>
+          </a:bodyPr>
+          <a:lstStyle/>
+          <a:p>
+            <a:r>
+              <a:rPr lang="en-US" dirty="0"/>
+              <a:t>[2]</a:t>
+            </a:r>
           </a:p>
         </p:txBody>
       </p:sp>
     </p:spTree>
     <p:extLst>
       <p:ext uri="{BB962C8B-B14F-4D97-AF65-F5344CB8AC3E}">
-        <p14:creationId xmlns:p14="http://schemas.microsoft.com/office/powerpoint/2010/main" val="154108905"/>
+        <p14:creationId xmlns:p14="http://schemas.microsoft.com/office/powerpoint/2010/main" val="1686487471"/>
       </p:ext>
     </p:extLst>
   </p:cSld>
@@ -5516,59 +6586,245 @@
         </p:nvSpPr>
         <p:spPr>
           <a:xfrm>
-            <a:off x="702129" y="914760"/>
-            <a:ext cx="3678485" cy="3543764"/>
+            <a:off x="804779" y="90918"/>
+            <a:ext cx="1539295" cy="632982"/>
           </a:xfrm>
         </p:spPr>
         <p:txBody>
           <a:bodyPr>
-            <a:normAutofit/>
+            <a:normAutofit fontScale="90000"/>
           </a:bodyPr>
           <a:lstStyle/>
           <a:p>
             <a:r>
               <a:rPr lang="en-US" dirty="0"/>
-              <a:t>Differences</a:t>
-            </a:r>
-          </a:p>
-        </p:txBody>
-      </p:sp>
-      <p:sp>
-        <p:nvSpPr>
-          <p:cNvPr id="3" name="Content Placeholder 2">
-            <a:extLst>
-              <a:ext uri="{FF2B5EF4-FFF2-40B4-BE49-F238E27FC236}">
-                <a16:creationId xmlns:a16="http://schemas.microsoft.com/office/drawing/2014/main" id="{EF94800E-CE81-032A-BEE5-319A15B2CC33}"/>
-              </a:ext>
-            </a:extLst>
-          </p:cNvPr>
-          <p:cNvSpPr>
-            <a:spLocks noGrp="1"/>
-          </p:cNvSpPr>
+              <a:t>glove</a:t>
+            </a:r>
+          </a:p>
+        </p:txBody>
+      </p:sp>
+      <p:pic>
+        <p:nvPicPr>
+          <p:cNvPr id="5" name="Content Placeholder 4" descr="A close-up of a diagram&#10;&#10;Description automatically generated">
+            <a:extLst>
+              <a:ext uri="{FF2B5EF4-FFF2-40B4-BE49-F238E27FC236}">
+                <a16:creationId xmlns:a16="http://schemas.microsoft.com/office/drawing/2014/main" id="{14D070FB-9173-5D17-2547-4F551B2E2BAE}"/>
+              </a:ext>
+            </a:extLst>
+          </p:cNvPr>
+          <p:cNvPicPr>
+            <a:picLocks noGrp="1" noChangeAspect="1"/>
+          </p:cNvPicPr>
           <p:nvPr>
             <p:ph idx="1"/>
           </p:nvPr>
-        </p:nvSpPr>
-        <p:spPr>
-          <a:xfrm>
-            <a:off x="4773168" y="993228"/>
-            <a:ext cx="6720840" cy="4935981"/>
-          </a:xfrm>
-        </p:spPr>
-        <p:txBody>
-          <a:bodyPr>
-            <a:normAutofit/>
+        </p:nvPicPr>
+        <p:blipFill>
+          <a:blip r:embed="rId2"/>
+          <a:stretch>
+            <a:fillRect/>
+          </a:stretch>
+        </p:blipFill>
+        <p:spPr>
+          <a:xfrm>
+            <a:off x="1574427" y="1042877"/>
+            <a:ext cx="9043145" cy="2514237"/>
+          </a:xfrm>
+        </p:spPr>
+      </p:pic>
+      <p:pic>
+        <p:nvPicPr>
+          <p:cNvPr id="7" name="Picture 6" descr="A frog on the ground&#10;&#10;Description automatically generated">
+            <a:extLst>
+              <a:ext uri="{FF2B5EF4-FFF2-40B4-BE49-F238E27FC236}">
+                <a16:creationId xmlns:a16="http://schemas.microsoft.com/office/drawing/2014/main" id="{F585FEDA-FBC0-BF26-E8E4-7763925E3174}"/>
+              </a:ext>
+            </a:extLst>
+          </p:cNvPr>
+          <p:cNvPicPr>
+            <a:picLocks noChangeAspect="1"/>
+          </p:cNvPicPr>
+          <p:nvPr/>
+        </p:nvPicPr>
+        <p:blipFill>
+          <a:blip r:embed="rId3"/>
+          <a:stretch>
+            <a:fillRect/>
+          </a:stretch>
+        </p:blipFill>
+        <p:spPr>
+          <a:xfrm>
+            <a:off x="524283" y="3694881"/>
+            <a:ext cx="11143434" cy="2172366"/>
+          </a:xfrm>
+          <a:prstGeom prst="rect">
+            <a:avLst/>
+          </a:prstGeom>
+        </p:spPr>
+      </p:pic>
+      <p:sp>
+        <p:nvSpPr>
+          <p:cNvPr id="9" name="TextBox 8">
+            <a:extLst>
+              <a:ext uri="{FF2B5EF4-FFF2-40B4-BE49-F238E27FC236}">
+                <a16:creationId xmlns:a16="http://schemas.microsoft.com/office/drawing/2014/main" id="{1C15DC8D-6FD8-8BE1-7268-28FA4590DD91}"/>
+              </a:ext>
+            </a:extLst>
+          </p:cNvPr>
+          <p:cNvSpPr txBox="1"/>
+          <p:nvPr/>
+        </p:nvSpPr>
+        <p:spPr>
+          <a:xfrm>
+            <a:off x="7937414" y="6383314"/>
+            <a:ext cx="4254586" cy="369332"/>
+          </a:xfrm>
+          <a:prstGeom prst="rect">
+            <a:avLst/>
+          </a:prstGeom>
+          <a:noFill/>
+        </p:spPr>
+        <p:txBody>
+          <a:bodyPr wrap="square" rtlCol="0">
+            <a:spAutoFit/>
           </a:bodyPr>
           <a:lstStyle/>
           <a:p>
-            <a:endParaRPr lang="en-US"/>
+            <a:r>
+              <a:rPr lang="en-US" dirty="0"/>
+              <a:t>https://</a:t>
+            </a:r>
+            <a:r>
+              <a:rPr lang="en-US" dirty="0" err="1"/>
+              <a:t>nlp.stanford.edu</a:t>
+            </a:r>
+            <a:r>
+              <a:rPr lang="en-US" dirty="0"/>
+              <a:t>/projects/glove/</a:t>
+            </a:r>
+          </a:p>
+        </p:txBody>
+      </p:sp>
+      <p:sp>
+        <p:nvSpPr>
+          <p:cNvPr id="14" name="TextBox 13">
+            <a:extLst>
+              <a:ext uri="{FF2B5EF4-FFF2-40B4-BE49-F238E27FC236}">
+                <a16:creationId xmlns:a16="http://schemas.microsoft.com/office/drawing/2014/main" id="{EFB2B705-6DEE-E2E9-1574-6B4A9656AB5C}"/>
+              </a:ext>
+            </a:extLst>
+          </p:cNvPr>
+          <p:cNvSpPr txBox="1"/>
+          <p:nvPr/>
+        </p:nvSpPr>
+        <p:spPr>
+          <a:xfrm>
+            <a:off x="33980" y="956749"/>
+            <a:ext cx="1532239" cy="1200329"/>
+          </a:xfrm>
+          <a:prstGeom prst="rect">
+            <a:avLst/>
+          </a:prstGeom>
+          <a:solidFill>
+            <a:schemeClr val="accent2">
+              <a:lumMod val="20000"/>
+              <a:lumOff val="80000"/>
+            </a:schemeClr>
+          </a:solidFill>
+        </p:spPr>
+        <p:txBody>
+          <a:bodyPr wrap="square" rtlCol="0">
+            <a:spAutoFit/>
+          </a:bodyPr>
+          <a:lstStyle/>
+          <a:p>
+            <a:r>
+              <a:rPr lang="en-US" dirty="0"/>
+              <a:t>Direction and distance and demonstrate relationships</a:t>
+            </a:r>
+          </a:p>
+        </p:txBody>
+      </p:sp>
+      <p:cxnSp>
+        <p:nvCxnSpPr>
+          <p:cNvPr id="17" name="Elbow Connector 16">
+            <a:extLst>
+              <a:ext uri="{FF2B5EF4-FFF2-40B4-BE49-F238E27FC236}">
+                <a16:creationId xmlns:a16="http://schemas.microsoft.com/office/drawing/2014/main" id="{3C6FC366-06BC-1DF1-B33E-A73204EF5D55}"/>
+              </a:ext>
+            </a:extLst>
+          </p:cNvPr>
+          <p:cNvCxnSpPr>
+            <a:stCxn id="14" idx="2"/>
+          </p:cNvCxnSpPr>
+          <p:nvPr/>
+        </p:nvCxnSpPr>
+        <p:spPr>
+          <a:xfrm rot="16200000" flipH="1">
+            <a:off x="992390" y="1964787"/>
+            <a:ext cx="423726" cy="808307"/>
+          </a:xfrm>
+          <a:prstGeom prst="bentConnector2">
+            <a:avLst/>
+          </a:prstGeom>
+          <a:ln>
+            <a:tailEnd type="triangle"/>
+          </a:ln>
+        </p:spPr>
+        <p:style>
+          <a:lnRef idx="1">
+            <a:schemeClr val="accent1"/>
+          </a:lnRef>
+          <a:fillRef idx="0">
+            <a:schemeClr val="accent1"/>
+          </a:fillRef>
+          <a:effectRef idx="0">
+            <a:schemeClr val="accent1"/>
+          </a:effectRef>
+          <a:fontRef idx="minor">
+            <a:schemeClr val="tx1"/>
+          </a:fontRef>
+        </p:style>
+      </p:cxnSp>
+      <p:sp>
+        <p:nvSpPr>
+          <p:cNvPr id="18" name="TextBox 17">
+            <a:extLst>
+              <a:ext uri="{FF2B5EF4-FFF2-40B4-BE49-F238E27FC236}">
+                <a16:creationId xmlns:a16="http://schemas.microsoft.com/office/drawing/2014/main" id="{CDE3F6D1-C145-9858-C2D7-5EFFEFDB02CD}"/>
+              </a:ext>
+            </a:extLst>
+          </p:cNvPr>
+          <p:cNvSpPr txBox="1"/>
+          <p:nvPr/>
+        </p:nvSpPr>
+        <p:spPr>
+          <a:xfrm>
+            <a:off x="524283" y="6383314"/>
+            <a:ext cx="834960" cy="369332"/>
+          </a:xfrm>
+          <a:prstGeom prst="rect">
+            <a:avLst/>
+          </a:prstGeom>
+          <a:noFill/>
+        </p:spPr>
+        <p:txBody>
+          <a:bodyPr wrap="square" rtlCol="0">
+            <a:spAutoFit/>
+          </a:bodyPr>
+          <a:lstStyle/>
+          <a:p>
+            <a:r>
+              <a:rPr lang="en-US" dirty="0"/>
+              <a:t>[3]</a:t>
+            </a:r>
           </a:p>
         </p:txBody>
       </p:sp>
     </p:spTree>
     <p:extLst>
       <p:ext uri="{BB962C8B-B14F-4D97-AF65-F5344CB8AC3E}">
-        <p14:creationId xmlns:p14="http://schemas.microsoft.com/office/powerpoint/2010/main" val="754580310"/>
+        <p14:creationId xmlns:p14="http://schemas.microsoft.com/office/powerpoint/2010/main" val="154108905"/>
       </p:ext>
     </p:extLst>
   </p:cSld>
@@ -5581,6 +6837,14 @@
 <file path=ppt/slides/slide7.xml><?xml version="1.0" encoding="utf-8"?>
 <p:sld xmlns:a="http://schemas.openxmlformats.org/drawingml/2006/main" xmlns:r="http://schemas.openxmlformats.org/officeDocument/2006/relationships" xmlns:p="http://schemas.openxmlformats.org/presentationml/2006/main">
   <p:cSld>
+    <p:bg>
+      <p:bgPr>
+        <a:solidFill>
+          <a:schemeClr val="bg1"/>
+        </a:solidFill>
+        <a:effectLst/>
+      </p:bgPr>
+    </p:bg>
     <p:spTree>
       <p:nvGrpSpPr>
         <p:cNvPr id="1" name=""/>
@@ -5595,12 +6859,221 @@
           <a:chExt cx="0" cy="0"/>
         </a:xfrm>
       </p:grpSpPr>
+      <p:sp useBgFill="1">
+        <p:nvSpPr>
+          <p:cNvPr id="8" name="Rectangle 7">
+            <a:extLst>
+              <a:ext uri="{FF2B5EF4-FFF2-40B4-BE49-F238E27FC236}">
+                <a16:creationId xmlns:a16="http://schemas.microsoft.com/office/drawing/2014/main" id="{5F710FDB-0919-493E-8539-8240C23F1EB2}"/>
+              </a:ext>
+              <a:ext uri="{C183D7F6-B498-43B3-948B-1728B52AA6E4}">
+                <adec:decorative xmlns:adec="http://schemas.microsoft.com/office/drawing/2017/decorative" val="1"/>
+              </a:ext>
+            </a:extLst>
+          </p:cNvPr>
+          <p:cNvSpPr>
+            <a:spLocks noGrp="1" noRot="1" noChangeAspect="1" noMove="1" noResize="1" noEditPoints="1" noAdjustHandles="1" noChangeArrowheads="1" noChangeShapeType="1" noTextEdit="1"/>
+          </p:cNvSpPr>
+          <p:nvPr>
+            <p:extLst>
+              <p:ext uri="{386F3935-93C4-4BCD-93E2-E3B085C9AB24}">
+                <p16:designElem xmlns:p16="http://schemas.microsoft.com/office/powerpoint/2015/main" val="1"/>
+              </p:ext>
+            </p:extLst>
+          </p:nvPr>
+        </p:nvSpPr>
+        <p:spPr>
+          <a:xfrm>
+            <a:off x="0" y="0"/>
+            <a:ext cx="12192000" cy="6858000"/>
+          </a:xfrm>
+          <a:prstGeom prst="rect">
+            <a:avLst/>
+          </a:prstGeom>
+          <a:ln w="12700" cap="flat" cmpd="sng" algn="ctr">
+            <a:noFill/>
+            <a:prstDash val="solid"/>
+            <a:miter lim="800000"/>
+          </a:ln>
+          <a:effectLst/>
+          <a:extLst>
+            <a:ext uri="{91240B29-F687-4F45-9708-019B960494DF}">
+              <a14:hiddenLine xmlns:a14="http://schemas.microsoft.com/office/drawing/2010/main" w="12700" cap="flat" cmpd="sng" algn="ctr">
+                <a:solidFill>
+                  <a:schemeClr val="accent1">
+                    <a:shade val="50000"/>
+                  </a:schemeClr>
+                </a:solidFill>
+                <a:prstDash val="solid"/>
+                <a:miter lim="800000"/>
+              </a14:hiddenLine>
+            </a:ext>
+          </a:extLst>
+        </p:spPr>
+        <p:style>
+          <a:lnRef idx="2">
+            <a:schemeClr val="accent1">
+              <a:shade val="50000"/>
+            </a:schemeClr>
+          </a:lnRef>
+          <a:fillRef idx="1">
+            <a:schemeClr val="accent1"/>
+          </a:fillRef>
+          <a:effectRef idx="0">
+            <a:schemeClr val="accent1"/>
+          </a:effectRef>
+          <a:fontRef idx="minor">
+            <a:schemeClr val="lt1"/>
+          </a:fontRef>
+        </p:style>
+        <p:txBody>
+          <a:bodyPr rtlCol="0" anchor="ctr"/>
+          <a:lstStyle/>
+          <a:p>
+            <a:pPr marL="0" marR="0" lvl="0" indent="0" algn="ctr" defTabSz="914400" rtl="0" eaLnBrk="1" fontAlgn="auto" latinLnBrk="0" hangingPunct="1">
+              <a:lnSpc>
+                <a:spcPct val="100000"/>
+              </a:lnSpc>
+              <a:spcBef>
+                <a:spcPts val="0"/>
+              </a:spcBef>
+              <a:spcAft>
+                <a:spcPts val="0"/>
+              </a:spcAft>
+              <a:buClrTx/>
+              <a:buSzTx/>
+              <a:buFontTx/>
+              <a:buNone/>
+              <a:tabLst/>
+              <a:defRPr/>
+            </a:pPr>
+            <a:endParaRPr kumimoji="0" lang="en-US" sz="1800" b="0" i="0" u="none" strike="noStrike" kern="1200" cap="none" spc="0" normalizeH="0" baseline="0" noProof="0">
+              <a:ln>
+                <a:noFill/>
+              </a:ln>
+              <a:solidFill>
+                <a:srgbClr val="FFFFFF"/>
+              </a:solidFill>
+              <a:effectLst/>
+              <a:uLnTx/>
+              <a:uFillTx/>
+              <a:latin typeface="Calisto MT"/>
+              <a:ea typeface="+mn-ea"/>
+              <a:cs typeface="+mn-cs"/>
+            </a:endParaRPr>
+          </a:p>
+        </p:txBody>
+      </p:sp>
+      <p:cxnSp>
+        <p:nvCxnSpPr>
+          <p:cNvPr id="10" name="Straight Connector 9">
+            <a:extLst>
+              <a:ext uri="{FF2B5EF4-FFF2-40B4-BE49-F238E27FC236}">
+                <a16:creationId xmlns:a16="http://schemas.microsoft.com/office/drawing/2014/main" id="{22F20000-FD86-48F6-9363-FEC90C932DCD}"/>
+              </a:ext>
+              <a:ext uri="{C183D7F6-B498-43B3-948B-1728B52AA6E4}">
+                <adec:decorative xmlns:adec="http://schemas.microsoft.com/office/drawing/2017/decorative" val="1"/>
+              </a:ext>
+            </a:extLst>
+          </p:cNvPr>
+          <p:cNvCxnSpPr>
+            <a:cxnSpLocks noGrp="1" noRot="1" noChangeAspect="1" noMove="1" noResize="1" noEditPoints="1" noAdjustHandles="1" noChangeArrowheads="1" noChangeShapeType="1"/>
+          </p:cNvCxnSpPr>
+          <p:nvPr>
+            <p:extLst>
+              <p:ext uri="{386F3935-93C4-4BCD-93E2-E3B085C9AB24}">
+                <p16:designElem xmlns:p16="http://schemas.microsoft.com/office/powerpoint/2015/main" val="1"/>
+              </p:ext>
+            </p:extLst>
+          </p:nvPr>
+        </p:nvCxnSpPr>
+        <p:spPr>
+          <a:xfrm>
+            <a:off x="800100" y="723900"/>
+            <a:ext cx="10591800" cy="0"/>
+          </a:xfrm>
+          <a:prstGeom prst="line">
+            <a:avLst/>
+          </a:prstGeom>
+          <a:ln w="44450">
+            <a:solidFill>
+              <a:schemeClr val="tx1"/>
+            </a:solidFill>
+          </a:ln>
+        </p:spPr>
+        <p:style>
+          <a:lnRef idx="1">
+            <a:schemeClr val="accent1"/>
+          </a:lnRef>
+          <a:fillRef idx="0">
+            <a:schemeClr val="accent1"/>
+          </a:fillRef>
+          <a:effectRef idx="0">
+            <a:schemeClr val="accent1"/>
+          </a:effectRef>
+          <a:fontRef idx="minor">
+            <a:schemeClr val="tx1"/>
+          </a:fontRef>
+        </p:style>
+      </p:cxnSp>
+      <p:cxnSp>
+        <p:nvCxnSpPr>
+          <p:cNvPr id="12" name="Straight Connector 11">
+            <a:extLst>
+              <a:ext uri="{FF2B5EF4-FFF2-40B4-BE49-F238E27FC236}">
+                <a16:creationId xmlns:a16="http://schemas.microsoft.com/office/drawing/2014/main" id="{872AE332-6ACA-45BE-875F-91A291D4A40D}"/>
+              </a:ext>
+              <a:ext uri="{C183D7F6-B498-43B3-948B-1728B52AA6E4}">
+                <adec:decorative xmlns:adec="http://schemas.microsoft.com/office/drawing/2017/decorative" val="1"/>
+              </a:ext>
+            </a:extLst>
+          </p:cNvPr>
+          <p:cNvCxnSpPr>
+            <a:cxnSpLocks noGrp="1" noRot="1" noChangeAspect="1" noMove="1" noResize="1" noEditPoints="1" noAdjustHandles="1" noChangeArrowheads="1" noChangeShapeType="1"/>
+          </p:cNvCxnSpPr>
+          <p:nvPr>
+            <p:extLst>
+              <p:ext uri="{386F3935-93C4-4BCD-93E2-E3B085C9AB24}">
+                <p16:designElem xmlns:p16="http://schemas.microsoft.com/office/powerpoint/2015/main" val="1"/>
+              </p:ext>
+            </p:extLst>
+          </p:nvPr>
+        </p:nvCxnSpPr>
+        <p:spPr>
+          <a:xfrm>
+            <a:off x="800100" y="6142781"/>
+            <a:ext cx="10591800" cy="0"/>
+          </a:xfrm>
+          <a:prstGeom prst="line">
+            <a:avLst/>
+          </a:prstGeom>
+          <a:ln w="12700">
+            <a:solidFill>
+              <a:schemeClr val="tx1"/>
+            </a:solidFill>
+          </a:ln>
+        </p:spPr>
+        <p:style>
+          <a:lnRef idx="1">
+            <a:schemeClr val="accent1"/>
+          </a:lnRef>
+          <a:fillRef idx="0">
+            <a:schemeClr val="accent1"/>
+          </a:fillRef>
+          <a:effectRef idx="0">
+            <a:schemeClr val="accent1"/>
+          </a:effectRef>
+          <a:fontRef idx="minor">
+            <a:schemeClr val="tx1"/>
+          </a:fontRef>
+        </p:style>
+      </p:cxnSp>
       <p:sp>
         <p:nvSpPr>
           <p:cNvPr id="2" name="Title 1">
             <a:extLst>
               <a:ext uri="{FF2B5EF4-FFF2-40B4-BE49-F238E27FC236}">
-                <a16:creationId xmlns:a16="http://schemas.microsoft.com/office/drawing/2014/main" id="{28CD8DF4-0616-EFAC-5CFB-04D4AB4B53CA}"/>
+                <a16:creationId xmlns:a16="http://schemas.microsoft.com/office/drawing/2014/main" id="{C7ABD415-4A59-8181-10C9-906F9FC47FDF}"/>
               </a:ext>
             </a:extLst>
           </p:cNvPr>
@@ -5613,298 +7086,127 @@
         </p:nvSpPr>
         <p:spPr>
           <a:xfrm>
-            <a:off x="700635" y="914400"/>
-            <a:ext cx="10691265" cy="741405"/>
-          </a:xfrm>
-        </p:spPr>
-        <p:txBody>
-          <a:bodyPr/>
+            <a:off x="800100" y="148642"/>
+            <a:ext cx="3129349" cy="575247"/>
+          </a:xfrm>
+        </p:spPr>
+        <p:txBody>
+          <a:bodyPr>
+            <a:normAutofit fontScale="90000"/>
+          </a:bodyPr>
           <a:lstStyle/>
           <a:p>
             <a:r>
               <a:rPr lang="en-US" dirty="0"/>
-              <a:t>Performance Metrics</a:t>
-            </a:r>
-          </a:p>
-        </p:txBody>
-      </p:sp>
-      <p:graphicFrame>
-        <p:nvGraphicFramePr>
-          <p:cNvPr id="5" name="Table 5">
-            <a:extLst>
-              <a:ext uri="{FF2B5EF4-FFF2-40B4-BE49-F238E27FC236}">
-                <a16:creationId xmlns:a16="http://schemas.microsoft.com/office/drawing/2014/main" id="{1CB9D7C3-CCC9-795E-812C-74B186DBCD06}"/>
-              </a:ext>
-            </a:extLst>
-          </p:cNvPr>
-          <p:cNvGraphicFramePr>
-            <a:graphicFrameLocks noGrp="1"/>
-          </p:cNvGraphicFramePr>
-          <p:nvPr>
-            <p:ph idx="1"/>
-            <p:extLst>
-              <p:ext uri="{D42A27DB-BD31-4B8C-83A1-F6EECF244321}">
-                <p14:modId xmlns:p14="http://schemas.microsoft.com/office/powerpoint/2010/main" val="2286681061"/>
-              </p:ext>
-            </p:extLst>
-          </p:nvPr>
-        </p:nvGraphicFramePr>
-        <p:xfrm>
-          <a:off x="700635" y="1655804"/>
-          <a:ext cx="10691812" cy="4386648"/>
-        </p:xfrm>
-        <a:graphic>
-          <a:graphicData uri="http://schemas.openxmlformats.org/drawingml/2006/table">
-            <a:tbl>
-              <a:tblPr firstRow="1" bandRow="1">
-                <a:tableStyleId>{16D9F66E-5EB9-4882-86FB-DCBF35E3C3E4}</a:tableStyleId>
-              </a:tblPr>
-              <a:tblGrid>
-                <a:gridCol w="2672953">
-                  <a:extLst>
-                    <a:ext uri="{9D8B030D-6E8A-4147-A177-3AD203B41FA5}">
-                      <a16:colId xmlns:a16="http://schemas.microsoft.com/office/drawing/2014/main" val="3286733302"/>
-                    </a:ext>
-                  </a:extLst>
-                </a:gridCol>
-                <a:gridCol w="2672953">
-                  <a:extLst>
-                    <a:ext uri="{9D8B030D-6E8A-4147-A177-3AD203B41FA5}">
-                      <a16:colId xmlns:a16="http://schemas.microsoft.com/office/drawing/2014/main" val="2236011048"/>
-                    </a:ext>
-                  </a:extLst>
-                </a:gridCol>
-                <a:gridCol w="2672953">
-                  <a:extLst>
-                    <a:ext uri="{9D8B030D-6E8A-4147-A177-3AD203B41FA5}">
-                      <a16:colId xmlns:a16="http://schemas.microsoft.com/office/drawing/2014/main" val="255389226"/>
-                    </a:ext>
-                  </a:extLst>
-                </a:gridCol>
-                <a:gridCol w="2672953">
-                  <a:extLst>
-                    <a:ext uri="{9D8B030D-6E8A-4147-A177-3AD203B41FA5}">
-                      <a16:colId xmlns:a16="http://schemas.microsoft.com/office/drawing/2014/main" val="1065715775"/>
-                    </a:ext>
-                  </a:extLst>
-                </a:gridCol>
-              </a:tblGrid>
-              <a:tr h="1096662">
-                <a:tc>
-                  <a:txBody>
-                    <a:bodyPr/>
-                    <a:lstStyle/>
-                    <a:p>
-                      <a:endParaRPr lang="en-US"/>
-                    </a:p>
-                  </a:txBody>
-                  <a:tcPr/>
-                </a:tc>
-                <a:tc>
-                  <a:txBody>
-                    <a:bodyPr/>
-                    <a:lstStyle/>
-                    <a:p>
-                      <a:r>
-                        <a:rPr lang="en-US" dirty="0"/>
-                        <a:t>Relevance</a:t>
-                      </a:r>
-                    </a:p>
-                  </a:txBody>
-                  <a:tcPr/>
-                </a:tc>
-                <a:tc>
-                  <a:txBody>
-                    <a:bodyPr/>
-                    <a:lstStyle/>
-                    <a:p>
-                      <a:r>
-                        <a:rPr lang="en-US" dirty="0"/>
-                        <a:t>Accuracy</a:t>
-                      </a:r>
-                    </a:p>
-                  </a:txBody>
-                  <a:tcPr/>
-                </a:tc>
-                <a:tc>
-                  <a:txBody>
-                    <a:bodyPr/>
-                    <a:lstStyle/>
-                    <a:p>
-                      <a:r>
-                        <a:rPr lang="en-US" dirty="0"/>
-                        <a:t>Response Quality</a:t>
-                      </a:r>
-                    </a:p>
-                  </a:txBody>
-                  <a:tcPr/>
-                </a:tc>
-                <a:extLst>
-                  <a:ext uri="{0D108BD9-81ED-4DB2-BD59-A6C34878D82A}">
-                    <a16:rowId xmlns:a16="http://schemas.microsoft.com/office/drawing/2014/main" val="3037545865"/>
-                  </a:ext>
-                </a:extLst>
-              </a:tr>
-              <a:tr h="1096662">
-                <a:tc>
-                  <a:txBody>
-                    <a:bodyPr/>
-                    <a:lstStyle/>
-                    <a:p>
-                      <a:r>
-                        <a:rPr lang="en-US" u="sng" dirty="0" err="1"/>
-                        <a:t>OpenAI</a:t>
-                      </a:r>
-                      <a:endParaRPr lang="en-US" u="sng" dirty="0"/>
-                    </a:p>
-                  </a:txBody>
-                  <a:tcPr/>
-                </a:tc>
-                <a:tc>
-                  <a:txBody>
-                    <a:bodyPr/>
-                    <a:lstStyle/>
-                    <a:p>
-                      <a:endParaRPr lang="en-US" dirty="0"/>
-                    </a:p>
-                  </a:txBody>
-                  <a:tcPr/>
-                </a:tc>
-                <a:tc>
-                  <a:txBody>
-                    <a:bodyPr/>
-                    <a:lstStyle/>
-                    <a:p>
-                      <a:endParaRPr lang="en-US"/>
-                    </a:p>
-                  </a:txBody>
-                  <a:tcPr/>
-                </a:tc>
-                <a:tc>
-                  <a:txBody>
-                    <a:bodyPr/>
-                    <a:lstStyle/>
-                    <a:p>
-                      <a:endParaRPr lang="en-US"/>
-                    </a:p>
-                  </a:txBody>
-                  <a:tcPr/>
-                </a:tc>
-                <a:extLst>
-                  <a:ext uri="{0D108BD9-81ED-4DB2-BD59-A6C34878D82A}">
-                    <a16:rowId xmlns:a16="http://schemas.microsoft.com/office/drawing/2014/main" val="1172450523"/>
-                  </a:ext>
-                </a:extLst>
-              </a:tr>
-              <a:tr h="1096662">
-                <a:tc>
-                  <a:txBody>
-                    <a:bodyPr/>
-                    <a:lstStyle/>
-                    <a:p>
-                      <a:r>
-                        <a:rPr lang="en-US" u="sng" dirty="0" err="1"/>
-                        <a:t>Sbert</a:t>
-                      </a:r>
-                      <a:endParaRPr lang="en-US" u="sng" dirty="0"/>
-                    </a:p>
-                  </a:txBody>
-                  <a:tcPr/>
-                </a:tc>
-                <a:tc>
-                  <a:txBody>
-                    <a:bodyPr/>
-                    <a:lstStyle/>
-                    <a:p>
-                      <a:endParaRPr lang="en-US"/>
-                    </a:p>
-                  </a:txBody>
-                  <a:tcPr/>
-                </a:tc>
-                <a:tc>
-                  <a:txBody>
-                    <a:bodyPr/>
-                    <a:lstStyle/>
-                    <a:p>
-                      <a:endParaRPr lang="en-US"/>
-                    </a:p>
-                  </a:txBody>
-                  <a:tcPr/>
-                </a:tc>
-                <a:tc>
-                  <a:txBody>
-                    <a:bodyPr/>
-                    <a:lstStyle/>
-                    <a:p>
-                      <a:endParaRPr lang="en-US"/>
-                    </a:p>
-                  </a:txBody>
-                  <a:tcPr/>
-                </a:tc>
-                <a:extLst>
-                  <a:ext uri="{0D108BD9-81ED-4DB2-BD59-A6C34878D82A}">
-                    <a16:rowId xmlns:a16="http://schemas.microsoft.com/office/drawing/2014/main" val="2147649524"/>
-                  </a:ext>
-                </a:extLst>
-              </a:tr>
-              <a:tr h="1096662">
-                <a:tc>
-                  <a:txBody>
-                    <a:bodyPr/>
-                    <a:lstStyle/>
-                    <a:p>
-                      <a:r>
-                        <a:rPr lang="en-US" u="sng" dirty="0"/>
-                        <a:t>Glove</a:t>
-                      </a:r>
-                    </a:p>
-                  </a:txBody>
-                  <a:tcPr/>
-                </a:tc>
-                <a:tc>
-                  <a:txBody>
-                    <a:bodyPr/>
-                    <a:lstStyle/>
-                    <a:p>
-                      <a:endParaRPr lang="en-US"/>
-                    </a:p>
-                  </a:txBody>
-                  <a:tcPr/>
-                </a:tc>
-                <a:tc>
-                  <a:txBody>
-                    <a:bodyPr/>
-                    <a:lstStyle/>
-                    <a:p>
-                      <a:endParaRPr lang="en-US"/>
-                    </a:p>
-                  </a:txBody>
-                  <a:tcPr/>
-                </a:tc>
-                <a:tc>
-                  <a:txBody>
-                    <a:bodyPr/>
-                    <a:lstStyle/>
-                    <a:p>
-                      <a:endParaRPr lang="en-US" dirty="0"/>
-                    </a:p>
-                  </a:txBody>
-                  <a:tcPr/>
-                </a:tc>
-                <a:extLst>
-                  <a:ext uri="{0D108BD9-81ED-4DB2-BD59-A6C34878D82A}">
-                    <a16:rowId xmlns:a16="http://schemas.microsoft.com/office/drawing/2014/main" val="2389867161"/>
-                  </a:ext>
-                </a:extLst>
-              </a:tr>
-            </a:tbl>
-          </a:graphicData>
-        </a:graphic>
-      </p:graphicFrame>
+              <a:t>Differences</a:t>
+            </a:r>
+          </a:p>
+        </p:txBody>
+      </p:sp>
+      <p:pic>
+        <p:nvPicPr>
+          <p:cNvPr id="4" name="Picture 3" descr="A graph of a graph&#10;&#10;Description automatically generated with medium confidence">
+            <a:extLst>
+              <a:ext uri="{FF2B5EF4-FFF2-40B4-BE49-F238E27FC236}">
+                <a16:creationId xmlns:a16="http://schemas.microsoft.com/office/drawing/2014/main" id="{494F7887-2F27-A93E-27E9-86B5C6504F68}"/>
+              </a:ext>
+            </a:extLst>
+          </p:cNvPr>
+          <p:cNvPicPr>
+            <a:picLocks noChangeAspect="1"/>
+          </p:cNvPicPr>
+          <p:nvPr/>
+        </p:nvPicPr>
+        <p:blipFill>
+          <a:blip r:embed="rId2"/>
+          <a:stretch>
+            <a:fillRect/>
+          </a:stretch>
+        </p:blipFill>
+        <p:spPr>
+          <a:xfrm>
+            <a:off x="5270671" y="1066556"/>
+            <a:ext cx="5868945" cy="4706894"/>
+          </a:xfrm>
+          <a:prstGeom prst="rect">
+            <a:avLst/>
+          </a:prstGeom>
+        </p:spPr>
+      </p:pic>
+      <p:sp>
+        <p:nvSpPr>
+          <p:cNvPr id="5" name="TextBox 4">
+            <a:extLst>
+              <a:ext uri="{FF2B5EF4-FFF2-40B4-BE49-F238E27FC236}">
+                <a16:creationId xmlns:a16="http://schemas.microsoft.com/office/drawing/2014/main" id="{767A53AB-739A-DB8F-9DE1-19A38F289553}"/>
+              </a:ext>
+            </a:extLst>
+          </p:cNvPr>
+          <p:cNvSpPr txBox="1"/>
+          <p:nvPr/>
+        </p:nvSpPr>
+        <p:spPr>
+          <a:xfrm>
+            <a:off x="10540314" y="6142781"/>
+            <a:ext cx="1198605" cy="369332"/>
+          </a:xfrm>
+          <a:prstGeom prst="rect">
+            <a:avLst/>
+          </a:prstGeom>
+          <a:noFill/>
+        </p:spPr>
+        <p:txBody>
+          <a:bodyPr wrap="square" rtlCol="0">
+            <a:spAutoFit/>
+          </a:bodyPr>
+          <a:lstStyle/>
+          <a:p>
+            <a:r>
+              <a:rPr lang="en-US" dirty="0"/>
+              <a:t>[1]</a:t>
+            </a:r>
+          </a:p>
+        </p:txBody>
+      </p:sp>
+      <p:sp>
+        <p:nvSpPr>
+          <p:cNvPr id="6" name="TextBox 5">
+            <a:extLst>
+              <a:ext uri="{FF2B5EF4-FFF2-40B4-BE49-F238E27FC236}">
+                <a16:creationId xmlns:a16="http://schemas.microsoft.com/office/drawing/2014/main" id="{B3255D9A-BCF0-F156-EB83-345A1368DE22}"/>
+              </a:ext>
+            </a:extLst>
+          </p:cNvPr>
+          <p:cNvSpPr txBox="1"/>
+          <p:nvPr/>
+        </p:nvSpPr>
+        <p:spPr>
+          <a:xfrm>
+            <a:off x="800100" y="2782669"/>
+            <a:ext cx="3957251" cy="646331"/>
+          </a:xfrm>
+          <a:prstGeom prst="rect">
+            <a:avLst/>
+          </a:prstGeom>
+          <a:noFill/>
+        </p:spPr>
+        <p:txBody>
+          <a:bodyPr wrap="square" rtlCol="0">
+            <a:spAutoFit/>
+          </a:bodyPr>
+          <a:lstStyle/>
+          <a:p>
+            <a:r>
+              <a:rPr lang="en-US" dirty="0"/>
+              <a:t>Interesting graph comparing embedding models</a:t>
+            </a:r>
+          </a:p>
+        </p:txBody>
+      </p:sp>
     </p:spTree>
     <p:extLst>
       <p:ext uri="{BB962C8B-B14F-4D97-AF65-F5344CB8AC3E}">
-        <p14:creationId xmlns:p14="http://schemas.microsoft.com/office/powerpoint/2010/main" val="2566660438"/>
+        <p14:creationId xmlns:p14="http://schemas.microsoft.com/office/powerpoint/2010/main" val="754580310"/>
       </p:ext>
     </p:extLst>
   </p:cSld>
@@ -5936,7 +7238,7 @@
           <p:cNvPr id="2" name="Title 1">
             <a:extLst>
               <a:ext uri="{FF2B5EF4-FFF2-40B4-BE49-F238E27FC236}">
-                <a16:creationId xmlns:a16="http://schemas.microsoft.com/office/drawing/2014/main" id="{E4EF8E51-9E3B-76EA-0A24-221B6E2A4B4C}"/>
+                <a16:creationId xmlns:a16="http://schemas.microsoft.com/office/drawing/2014/main" id="{7B8A080C-64B6-1ABE-7DA9-3F755328E6DD}"/>
               </a:ext>
             </a:extLst>
           </p:cNvPr>
@@ -5952,6 +7254,148 @@
           <a:bodyPr/>
           <a:lstStyle/>
           <a:p>
+            <a:r>
+              <a:rPr lang="en-US" dirty="0" err="1"/>
+              <a:t>QDrant</a:t>
+            </a:r>
+            <a:endParaRPr lang="en-US" dirty="0"/>
+          </a:p>
+        </p:txBody>
+      </p:sp>
+      <p:pic>
+        <p:nvPicPr>
+          <p:cNvPr id="5" name="Content Placeholder 4" descr="A black background with red and blue text&#10;&#10;Description automatically generated">
+            <a:extLst>
+              <a:ext uri="{FF2B5EF4-FFF2-40B4-BE49-F238E27FC236}">
+                <a16:creationId xmlns:a16="http://schemas.microsoft.com/office/drawing/2014/main" id="{F75D201A-BC77-6966-D4B3-737A52BB11C6}"/>
+              </a:ext>
+            </a:extLst>
+          </p:cNvPr>
+          <p:cNvPicPr>
+            <a:picLocks noGrp="1" noChangeAspect="1"/>
+          </p:cNvPicPr>
+          <p:nvPr>
+            <p:ph idx="1"/>
+          </p:nvPr>
+        </p:nvPicPr>
+        <p:blipFill>
+          <a:blip r:embed="rId2"/>
+          <a:stretch>
+            <a:fillRect/>
+          </a:stretch>
+        </p:blipFill>
+        <p:spPr>
+          <a:xfrm>
+            <a:off x="6215449" y="2070806"/>
+            <a:ext cx="5751139" cy="2534401"/>
+          </a:xfrm>
+        </p:spPr>
+      </p:pic>
+      <p:sp>
+        <p:nvSpPr>
+          <p:cNvPr id="6" name="TextBox 5">
+            <a:extLst>
+              <a:ext uri="{FF2B5EF4-FFF2-40B4-BE49-F238E27FC236}">
+                <a16:creationId xmlns:a16="http://schemas.microsoft.com/office/drawing/2014/main" id="{7CBE1974-BEA3-0D8D-3908-12D629406A9C}"/>
+              </a:ext>
+            </a:extLst>
+          </p:cNvPr>
+          <p:cNvSpPr txBox="1"/>
+          <p:nvPr/>
+        </p:nvSpPr>
+        <p:spPr>
+          <a:xfrm>
+            <a:off x="814388" y="1814513"/>
+            <a:ext cx="5529262" cy="3046988"/>
+          </a:xfrm>
+          <a:prstGeom prst="rect">
+            <a:avLst/>
+          </a:prstGeom>
+          <a:noFill/>
+        </p:spPr>
+        <p:txBody>
+          <a:bodyPr wrap="square" rtlCol="0">
+            <a:spAutoFit/>
+          </a:bodyPr>
+          <a:lstStyle/>
+          <a:p>
+            <a:pPr marL="285750" indent="-285750">
+              <a:buFontTx/>
+              <a:buChar char="-"/>
+            </a:pPr>
+            <a:r>
+              <a:rPr lang="en-US" sz="3200" dirty="0"/>
+              <a:t>Vector database that I used for this project</a:t>
+            </a:r>
+          </a:p>
+          <a:p>
+            <a:pPr marL="285750" indent="-285750">
+              <a:buFontTx/>
+              <a:buChar char="-"/>
+            </a:pPr>
+            <a:r>
+              <a:rPr lang="en-US" sz="3200" dirty="0"/>
+              <a:t>I stored vectors containing embeddings for this project and separated them by collections</a:t>
+            </a:r>
+          </a:p>
+        </p:txBody>
+      </p:sp>
+    </p:spTree>
+    <p:extLst>
+      <p:ext uri="{BB962C8B-B14F-4D97-AF65-F5344CB8AC3E}">
+        <p14:creationId xmlns:p14="http://schemas.microsoft.com/office/powerpoint/2010/main" val="1437658411"/>
+      </p:ext>
+    </p:extLst>
+  </p:cSld>
+  <p:clrMapOvr>
+    <a:masterClrMapping/>
+  </p:clrMapOvr>
+</p:sld>
+</file>
+
+<file path=ppt/slides/slide9.xml><?xml version="1.0" encoding="utf-8"?>
+<p:sld xmlns:a="http://schemas.openxmlformats.org/drawingml/2006/main" xmlns:r="http://schemas.openxmlformats.org/officeDocument/2006/relationships" xmlns:p="http://schemas.openxmlformats.org/presentationml/2006/main">
+  <p:cSld>
+    <p:spTree>
+      <p:nvGrpSpPr>
+        <p:cNvPr id="1" name=""/>
+        <p:cNvGrpSpPr/>
+        <p:nvPr/>
+      </p:nvGrpSpPr>
+      <p:grpSpPr>
+        <a:xfrm>
+          <a:off x="0" y="0"/>
+          <a:ext cx="0" cy="0"/>
+          <a:chOff x="0" y="0"/>
+          <a:chExt cx="0" cy="0"/>
+        </a:xfrm>
+      </p:grpSpPr>
+      <p:sp>
+        <p:nvSpPr>
+          <p:cNvPr id="2" name="Title 1">
+            <a:extLst>
+              <a:ext uri="{FF2B5EF4-FFF2-40B4-BE49-F238E27FC236}">
+                <a16:creationId xmlns:a16="http://schemas.microsoft.com/office/drawing/2014/main" id="{E4EF8E51-9E3B-76EA-0A24-221B6E2A4B4C}"/>
+              </a:ext>
+            </a:extLst>
+          </p:cNvPr>
+          <p:cNvSpPr>
+            <a:spLocks noGrp="1"/>
+          </p:cNvSpPr>
+          <p:nvPr>
+            <p:ph type="title"/>
+          </p:nvPr>
+        </p:nvSpPr>
+        <p:spPr>
+          <a:xfrm>
+            <a:off x="750365" y="914400"/>
+            <a:ext cx="10691265" cy="742950"/>
+          </a:xfrm>
+        </p:spPr>
+        <p:txBody>
+          <a:bodyPr/>
+          <a:lstStyle/>
+          <a:p>
             <a:pPr algn="ctr"/>
             <a:r>
               <a:rPr lang="en-US" dirty="0"/>
@@ -5979,7 +7423,7 @@
         <p:spPr>
           <a:xfrm>
             <a:off x="700635" y="1851290"/>
-            <a:ext cx="3340024" cy="3739896"/>
+            <a:ext cx="3340024" cy="1595998"/>
           </a:xfrm>
         </p:spPr>
         <p:txBody>
@@ -5990,16 +7434,19 @@
               <a:buNone/>
             </a:pPr>
             <a:r>
-              <a:rPr lang="en-US" dirty="0" err="1"/>
+              <a:rPr lang="en-US" u="sng" dirty="0" err="1"/>
               <a:t>OpenAI</a:t>
             </a:r>
-            <a:endParaRPr lang="en-US" dirty="0"/>
+            <a:endParaRPr lang="en-US" u="sng" dirty="0"/>
           </a:p>
           <a:p>
             <a:pPr marL="0" indent="0">
               <a:buNone/>
             </a:pPr>
-            <a:endParaRPr lang="en-US" dirty="0"/>
+            <a:r>
+              <a:rPr lang="en-US" dirty="0"/>
+              <a:t>Good context awareness and relatively easy to use the API</a:t>
+            </a:r>
           </a:p>
         </p:txBody>
       </p:sp>
@@ -6020,7 +7467,7 @@
         <p:spPr>
           <a:xfrm>
             <a:off x="4290062" y="1851290"/>
-            <a:ext cx="3611873" cy="3739896"/>
+            <a:ext cx="3611873" cy="1577710"/>
           </a:xfrm>
           <a:prstGeom prst="rect">
             <a:avLst/>
@@ -6200,17 +7647,20 @@
               <a:buNone/>
             </a:pPr>
             <a:r>
-              <a:rPr lang="en-US" dirty="0" err="1"/>
+              <a:rPr lang="en-US" u="sng" dirty="0" err="1"/>
               <a:t>SBert</a:t>
             </a:r>
-            <a:endParaRPr lang="en-US" dirty="0"/>
+            <a:endParaRPr lang="en-US" u="sng" dirty="0"/>
           </a:p>
           <a:p>
             <a:pPr marL="0" indent="0">
               <a:buFont typeface="Arial" panose="020B0604020202020204" pitchFamily="34" charset="0"/>
               <a:buNone/>
             </a:pPr>
-            <a:endParaRPr lang="en-US" dirty="0"/>
+            <a:r>
+              <a:rPr lang="en-US" dirty="0"/>
+              <a:t>Good for context dependent text because of the position embeddings</a:t>
+            </a:r>
           </a:p>
         </p:txBody>
       </p:sp>
@@ -6231,7 +7681,7 @@
         <p:spPr>
           <a:xfrm>
             <a:off x="8151338" y="1833002"/>
-            <a:ext cx="3611873" cy="3739896"/>
+            <a:ext cx="3611873" cy="1595998"/>
           </a:xfrm>
           <a:prstGeom prst="rect">
             <a:avLst/>
@@ -6411,7 +7861,7 @@
               <a:buNone/>
             </a:pPr>
             <a:r>
-              <a:rPr lang="en-US" dirty="0"/>
+              <a:rPr lang="en-US" u="sng" dirty="0"/>
               <a:t>Glove</a:t>
             </a:r>
           </a:p>
@@ -6420,60 +7870,59 @@
               <a:buFont typeface="Arial" panose="020B0604020202020204" pitchFamily="34" charset="0"/>
               <a:buNone/>
             </a:pPr>
-            <a:endParaRPr lang="en-US" dirty="0"/>
-          </a:p>
-        </p:txBody>
-      </p:sp>
-    </p:spTree>
-    <p:extLst>
-      <p:ext uri="{BB962C8B-B14F-4D97-AF65-F5344CB8AC3E}">
-        <p14:creationId xmlns:p14="http://schemas.microsoft.com/office/powerpoint/2010/main" val="1055155028"/>
-      </p:ext>
-    </p:extLst>
-  </p:cSld>
-  <p:clrMapOvr>
-    <a:masterClrMapping/>
-  </p:clrMapOvr>
-</p:sld>
-</file>
-
-<file path=ppt/slides/slide9.xml><?xml version="1.0" encoding="utf-8"?>
-<p:sld xmlns:a="http://schemas.openxmlformats.org/drawingml/2006/main" xmlns:r="http://schemas.openxmlformats.org/officeDocument/2006/relationships" xmlns:p="http://schemas.openxmlformats.org/presentationml/2006/main">
-  <p:cSld>
-    <p:spTree>
-      <p:nvGrpSpPr>
-        <p:cNvPr id="1" name=""/>
-        <p:cNvGrpSpPr/>
-        <p:nvPr/>
-      </p:nvGrpSpPr>
-      <p:grpSpPr>
-        <a:xfrm>
-          <a:off x="0" y="0"/>
-          <a:ext cx="0" cy="0"/>
-          <a:chOff x="0" y="0"/>
-          <a:chExt cx="0" cy="0"/>
-        </a:xfrm>
-      </p:grpSpPr>
-      <p:sp>
-        <p:nvSpPr>
-          <p:cNvPr id="2" name="Title 1">
-            <a:extLst>
-              <a:ext uri="{FF2B5EF4-FFF2-40B4-BE49-F238E27FC236}">
-                <a16:creationId xmlns:a16="http://schemas.microsoft.com/office/drawing/2014/main" id="{E4EF8E51-9E3B-76EA-0A24-221B6E2A4B4C}"/>
-              </a:ext>
-            </a:extLst>
-          </p:cNvPr>
-          <p:cNvSpPr>
-            <a:spLocks noGrp="1"/>
-          </p:cNvSpPr>
-          <p:nvPr>
-            <p:ph type="title"/>
-          </p:nvPr>
-        </p:nvSpPr>
-        <p:spPr/>
-        <p:txBody>
-          <a:bodyPr/>
-          <a:lstStyle/>
+            <a:r>
+              <a:rPr lang="en-US" dirty="0"/>
+              <a:t>Helps with relationships with words on a very wide scale</a:t>
+            </a:r>
+          </a:p>
+        </p:txBody>
+      </p:sp>
+      <p:sp>
+        <p:nvSpPr>
+          <p:cNvPr id="6" name="Title 1">
+            <a:extLst>
+              <a:ext uri="{FF2B5EF4-FFF2-40B4-BE49-F238E27FC236}">
+                <a16:creationId xmlns:a16="http://schemas.microsoft.com/office/drawing/2014/main" id="{086F42C5-5D3E-DED7-236F-ADDFEC0AFEEE}"/>
+              </a:ext>
+            </a:extLst>
+          </p:cNvPr>
+          <p:cNvSpPr txBox="1">
+            <a:spLocks/>
+          </p:cNvSpPr>
+          <p:nvPr/>
+        </p:nvSpPr>
+        <p:spPr>
+          <a:xfrm>
+            <a:off x="1688495" y="3447288"/>
+            <a:ext cx="8815004" cy="855906"/>
+          </a:xfrm>
+          <a:prstGeom prst="rect">
+            <a:avLst/>
+          </a:prstGeom>
+        </p:spPr>
+        <p:txBody>
+          <a:bodyPr vert="horz" lIns="91440" tIns="45720" rIns="91440" bIns="45720" rtlCol="0" anchor="t">
+            <a:normAutofit/>
+          </a:bodyPr>
+          <a:lstStyle>
+            <a:lvl1pPr algn="l" defTabSz="914400" rtl="0" eaLnBrk="1" latinLnBrk="0" hangingPunct="1">
+              <a:lnSpc>
+                <a:spcPct val="100000"/>
+              </a:lnSpc>
+              <a:spcBef>
+                <a:spcPct val="0"/>
+              </a:spcBef>
+              <a:buNone/>
+              <a:defRPr sz="4000" kern="1200" cap="all" spc="30" baseline="0">
+                <a:solidFill>
+                  <a:schemeClr val="tx1"/>
+                </a:solidFill>
+                <a:latin typeface="+mj-lt"/>
+                <a:ea typeface="+mj-ea"/>
+                <a:cs typeface="+mj-cs"/>
+              </a:defRPr>
+            </a:lvl1pPr>
+          </a:lstStyle>
           <a:p>
             <a:pPr algn="ctr"/>
             <a:r>
@@ -6485,53 +7934,10 @@
       </p:sp>
       <p:sp>
         <p:nvSpPr>
-          <p:cNvPr id="3" name="Content Placeholder 2">
-            <a:extLst>
-              <a:ext uri="{FF2B5EF4-FFF2-40B4-BE49-F238E27FC236}">
-                <a16:creationId xmlns:a16="http://schemas.microsoft.com/office/drawing/2014/main" id="{64AC04DB-0261-73A7-D1CA-BD42B2539082}"/>
-              </a:ext>
-            </a:extLst>
-          </p:cNvPr>
-          <p:cNvSpPr>
-            <a:spLocks noGrp="1"/>
-          </p:cNvSpPr>
-          <p:nvPr>
-            <p:ph idx="1"/>
-          </p:nvPr>
-        </p:nvSpPr>
-        <p:spPr>
-          <a:xfrm>
-            <a:off x="700635" y="1851290"/>
-            <a:ext cx="3340024" cy="3739896"/>
-          </a:xfrm>
-        </p:spPr>
-        <p:txBody>
-          <a:bodyPr/>
-          <a:lstStyle/>
-          <a:p>
-            <a:pPr marL="0" indent="0">
-              <a:buNone/>
-            </a:pPr>
-            <a:r>
-              <a:rPr lang="en-US" dirty="0" err="1"/>
-              <a:t>OpenAI</a:t>
-            </a:r>
-            <a:endParaRPr lang="en-US" dirty="0"/>
-          </a:p>
-          <a:p>
-            <a:pPr marL="0" indent="0">
-              <a:buNone/>
-            </a:pPr>
-            <a:endParaRPr lang="en-US" dirty="0"/>
-          </a:p>
-        </p:txBody>
-      </p:sp>
-      <p:sp>
-        <p:nvSpPr>
-          <p:cNvPr id="4" name="Content Placeholder 2">
-            <a:extLst>
-              <a:ext uri="{FF2B5EF4-FFF2-40B4-BE49-F238E27FC236}">
-                <a16:creationId xmlns:a16="http://schemas.microsoft.com/office/drawing/2014/main" id="{F303E9A0-D058-CC20-DB2F-E1F66B50055E}"/>
+          <p:cNvPr id="7" name="Content Placeholder 2">
+            <a:extLst>
+              <a:ext uri="{FF2B5EF4-FFF2-40B4-BE49-F238E27FC236}">
+                <a16:creationId xmlns:a16="http://schemas.microsoft.com/office/drawing/2014/main" id="{DC6E3D99-9D1F-058E-A76D-3F0157C9D1AC}"/>
               </a:ext>
             </a:extLst>
           </p:cNvPr>
@@ -6542,8 +7948,8 @@
         </p:nvSpPr>
         <p:spPr>
           <a:xfrm>
-            <a:off x="4290062" y="1851290"/>
-            <a:ext cx="3611873" cy="3739896"/>
+            <a:off x="750365" y="4236143"/>
+            <a:ext cx="3340024" cy="1595998"/>
           </a:xfrm>
           <a:prstGeom prst="rect">
             <a:avLst/>
@@ -6723,26 +8129,29 @@
               <a:buNone/>
             </a:pPr>
             <a:r>
-              <a:rPr lang="en-US" dirty="0" err="1"/>
-              <a:t>SBert</a:t>
-            </a:r>
-            <a:endParaRPr lang="en-US" dirty="0"/>
+              <a:rPr lang="en-US" u="sng" dirty="0" err="1"/>
+              <a:t>OpenAI</a:t>
+            </a:r>
+            <a:endParaRPr lang="en-US" u="sng" dirty="0"/>
           </a:p>
           <a:p>
             <a:pPr marL="0" indent="0">
               <a:buFont typeface="Arial" panose="020B0604020202020204" pitchFamily="34" charset="0"/>
               <a:buNone/>
             </a:pPr>
-            <a:endParaRPr lang="en-US" dirty="0"/>
-          </a:p>
-        </p:txBody>
-      </p:sp>
-      <p:sp>
-        <p:nvSpPr>
-          <p:cNvPr id="5" name="Content Placeholder 2">
-            <a:extLst>
-              <a:ext uri="{FF2B5EF4-FFF2-40B4-BE49-F238E27FC236}">
-                <a16:creationId xmlns:a16="http://schemas.microsoft.com/office/drawing/2014/main" id="{81B2B478-1C19-7E2D-95BE-1B1EAA1B9374}"/>
+            <a:r>
+              <a:rPr lang="en-US" dirty="0"/>
+              <a:t>Difficult to use offline, as there needs to be connection for calls to the API</a:t>
+            </a:r>
+          </a:p>
+        </p:txBody>
+      </p:sp>
+      <p:sp>
+        <p:nvSpPr>
+          <p:cNvPr id="8" name="Content Placeholder 2">
+            <a:extLst>
+              <a:ext uri="{FF2B5EF4-FFF2-40B4-BE49-F238E27FC236}">
+                <a16:creationId xmlns:a16="http://schemas.microsoft.com/office/drawing/2014/main" id="{FBF12C4A-552A-A224-1CDC-51CACCC0C4E2}"/>
               </a:ext>
             </a:extLst>
           </p:cNvPr>
@@ -6753,8 +8162,8 @@
         </p:nvSpPr>
         <p:spPr>
           <a:xfrm>
-            <a:off x="8151338" y="1833002"/>
-            <a:ext cx="3611873" cy="3739896"/>
+            <a:off x="4339792" y="4236143"/>
+            <a:ext cx="3611873" cy="1577710"/>
           </a:xfrm>
           <a:prstGeom prst="rect">
             <a:avLst/>
@@ -6934,23 +8343,283 @@
               <a:buNone/>
             </a:pPr>
             <a:r>
-              <a:rPr lang="en-US" dirty="0"/>
-              <a:t>Glove</a:t>
-            </a:r>
+              <a:rPr lang="en-US" u="sng" dirty="0" err="1"/>
+              <a:t>SBert</a:t>
+            </a:r>
+            <a:endParaRPr lang="en-US" u="sng" dirty="0"/>
           </a:p>
           <a:p>
             <a:pPr marL="0" indent="0">
               <a:buFont typeface="Arial" panose="020B0604020202020204" pitchFamily="34" charset="0"/>
               <a:buNone/>
             </a:pPr>
-            <a:endParaRPr lang="en-US" dirty="0"/>
+            <a:r>
+              <a:rPr lang="en-US" dirty="0"/>
+              <a:t>Very time consuming and computationally heavy</a:t>
+            </a:r>
+          </a:p>
+        </p:txBody>
+      </p:sp>
+      <p:sp>
+        <p:nvSpPr>
+          <p:cNvPr id="9" name="Content Placeholder 2">
+            <a:extLst>
+              <a:ext uri="{FF2B5EF4-FFF2-40B4-BE49-F238E27FC236}">
+                <a16:creationId xmlns:a16="http://schemas.microsoft.com/office/drawing/2014/main" id="{742255CD-0468-BCED-7EFE-11FF4B532B7C}"/>
+              </a:ext>
+            </a:extLst>
+          </p:cNvPr>
+          <p:cNvSpPr txBox="1">
+            <a:spLocks/>
+          </p:cNvSpPr>
+          <p:nvPr/>
+        </p:nvSpPr>
+        <p:spPr>
+          <a:xfrm>
+            <a:off x="8201068" y="4217855"/>
+            <a:ext cx="3611873" cy="1595998"/>
+          </a:xfrm>
+          <a:prstGeom prst="rect">
+            <a:avLst/>
+          </a:prstGeom>
+        </p:spPr>
+        <p:txBody>
+          <a:bodyPr vert="horz" lIns="91440" tIns="45720" rIns="91440" bIns="45720" rtlCol="0">
+            <a:normAutofit fontScale="92500"/>
+          </a:bodyPr>
+          <a:lstStyle>
+            <a:lvl1pPr marL="228600" indent="-228600" algn="l" defTabSz="914400" rtl="0" eaLnBrk="1" latinLnBrk="0" hangingPunct="1">
+              <a:lnSpc>
+                <a:spcPct val="110000"/>
+              </a:lnSpc>
+              <a:spcBef>
+                <a:spcPts val="1000"/>
+              </a:spcBef>
+              <a:buFont typeface="Arial" panose="020B0604020202020204" pitchFamily="34" charset="0"/>
+              <a:buChar char="•"/>
+              <a:defRPr sz="2000" kern="1200">
+                <a:solidFill>
+                  <a:schemeClr val="tx1"/>
+                </a:solidFill>
+                <a:latin typeface="+mn-lt"/>
+                <a:ea typeface="+mn-ea"/>
+                <a:cs typeface="+mn-cs"/>
+              </a:defRPr>
+            </a:lvl1pPr>
+            <a:lvl2pPr marL="685800" indent="-228600" algn="l" defTabSz="914400" rtl="0" eaLnBrk="1" latinLnBrk="0" hangingPunct="1">
+              <a:lnSpc>
+                <a:spcPct val="110000"/>
+              </a:lnSpc>
+              <a:spcBef>
+                <a:spcPts val="500"/>
+              </a:spcBef>
+              <a:buFont typeface="Arial" panose="020B0604020202020204" pitchFamily="34" charset="0"/>
+              <a:buChar char="•"/>
+              <a:defRPr sz="1800" kern="1200">
+                <a:solidFill>
+                  <a:schemeClr val="tx1"/>
+                </a:solidFill>
+                <a:latin typeface="+mn-lt"/>
+                <a:ea typeface="+mn-ea"/>
+                <a:cs typeface="+mn-cs"/>
+              </a:defRPr>
+            </a:lvl2pPr>
+            <a:lvl3pPr marL="1143000" indent="-228600" algn="l" defTabSz="914400" rtl="0" eaLnBrk="1" latinLnBrk="0" hangingPunct="1">
+              <a:lnSpc>
+                <a:spcPct val="110000"/>
+              </a:lnSpc>
+              <a:spcBef>
+                <a:spcPts val="500"/>
+              </a:spcBef>
+              <a:buFont typeface="Arial" panose="020B0604020202020204" pitchFamily="34" charset="0"/>
+              <a:buChar char="•"/>
+              <a:defRPr sz="1600" kern="1200">
+                <a:solidFill>
+                  <a:schemeClr val="tx1"/>
+                </a:solidFill>
+                <a:latin typeface="+mn-lt"/>
+                <a:ea typeface="+mn-ea"/>
+                <a:cs typeface="+mn-cs"/>
+              </a:defRPr>
+            </a:lvl3pPr>
+            <a:lvl4pPr marL="1600200" indent="-228600" algn="l" defTabSz="914400" rtl="0" eaLnBrk="1" latinLnBrk="0" hangingPunct="1">
+              <a:lnSpc>
+                <a:spcPct val="110000"/>
+              </a:lnSpc>
+              <a:spcBef>
+                <a:spcPts val="500"/>
+              </a:spcBef>
+              <a:buFont typeface="Arial" panose="020B0604020202020204" pitchFamily="34" charset="0"/>
+              <a:buChar char="•"/>
+              <a:defRPr sz="1400" kern="1200">
+                <a:solidFill>
+                  <a:schemeClr val="tx1"/>
+                </a:solidFill>
+                <a:latin typeface="+mn-lt"/>
+                <a:ea typeface="+mn-ea"/>
+                <a:cs typeface="+mn-cs"/>
+              </a:defRPr>
+            </a:lvl4pPr>
+            <a:lvl5pPr marL="2057400" indent="-228600" algn="l" defTabSz="914400" rtl="0" eaLnBrk="1" latinLnBrk="0" hangingPunct="1">
+              <a:lnSpc>
+                <a:spcPct val="110000"/>
+              </a:lnSpc>
+              <a:spcBef>
+                <a:spcPts val="500"/>
+              </a:spcBef>
+              <a:buFont typeface="Arial" panose="020B0604020202020204" pitchFamily="34" charset="0"/>
+              <a:buChar char="•"/>
+              <a:defRPr sz="1400" kern="1200">
+                <a:solidFill>
+                  <a:schemeClr val="tx1"/>
+                </a:solidFill>
+                <a:latin typeface="+mn-lt"/>
+                <a:ea typeface="+mn-ea"/>
+                <a:cs typeface="+mn-cs"/>
+              </a:defRPr>
+            </a:lvl5pPr>
+            <a:lvl6pPr marL="2514600" indent="-228600" algn="l" defTabSz="914400" rtl="0" eaLnBrk="1" latinLnBrk="0" hangingPunct="1">
+              <a:lnSpc>
+                <a:spcPct val="90000"/>
+              </a:lnSpc>
+              <a:spcBef>
+                <a:spcPts val="500"/>
+              </a:spcBef>
+              <a:buFont typeface="Arial" panose="020B0604020202020204" pitchFamily="34" charset="0"/>
+              <a:buChar char="•"/>
+              <a:defRPr sz="1800" kern="1200">
+                <a:solidFill>
+                  <a:schemeClr val="tx1"/>
+                </a:solidFill>
+                <a:latin typeface="+mn-lt"/>
+                <a:ea typeface="+mn-ea"/>
+                <a:cs typeface="+mn-cs"/>
+              </a:defRPr>
+            </a:lvl6pPr>
+            <a:lvl7pPr marL="2971800" indent="-228600" algn="l" defTabSz="914400" rtl="0" eaLnBrk="1" latinLnBrk="0" hangingPunct="1">
+              <a:lnSpc>
+                <a:spcPct val="90000"/>
+              </a:lnSpc>
+              <a:spcBef>
+                <a:spcPts val="500"/>
+              </a:spcBef>
+              <a:buFont typeface="Arial" panose="020B0604020202020204" pitchFamily="34" charset="0"/>
+              <a:buChar char="•"/>
+              <a:defRPr sz="1800" kern="1200">
+                <a:solidFill>
+                  <a:schemeClr val="tx1"/>
+                </a:solidFill>
+                <a:latin typeface="+mn-lt"/>
+                <a:ea typeface="+mn-ea"/>
+                <a:cs typeface="+mn-cs"/>
+              </a:defRPr>
+            </a:lvl7pPr>
+            <a:lvl8pPr marL="3429000" indent="-228600" algn="l" defTabSz="914400" rtl="0" eaLnBrk="1" latinLnBrk="0" hangingPunct="1">
+              <a:lnSpc>
+                <a:spcPct val="90000"/>
+              </a:lnSpc>
+              <a:spcBef>
+                <a:spcPts val="500"/>
+              </a:spcBef>
+              <a:buFont typeface="Arial" panose="020B0604020202020204" pitchFamily="34" charset="0"/>
+              <a:buChar char="•"/>
+              <a:defRPr sz="1800" kern="1200">
+                <a:solidFill>
+                  <a:schemeClr val="tx1"/>
+                </a:solidFill>
+                <a:latin typeface="+mn-lt"/>
+                <a:ea typeface="+mn-ea"/>
+                <a:cs typeface="+mn-cs"/>
+              </a:defRPr>
+            </a:lvl8pPr>
+            <a:lvl9pPr marL="3886200" indent="-228600" algn="l" defTabSz="914400" rtl="0" eaLnBrk="1" latinLnBrk="0" hangingPunct="1">
+              <a:lnSpc>
+                <a:spcPct val="90000"/>
+              </a:lnSpc>
+              <a:spcBef>
+                <a:spcPts val="500"/>
+              </a:spcBef>
+              <a:buFont typeface="Arial" panose="020B0604020202020204" pitchFamily="34" charset="0"/>
+              <a:buChar char="•"/>
+              <a:defRPr sz="1800" kern="1200">
+                <a:solidFill>
+                  <a:schemeClr val="tx1"/>
+                </a:solidFill>
+                <a:latin typeface="+mn-lt"/>
+                <a:ea typeface="+mn-ea"/>
+                <a:cs typeface="+mn-cs"/>
+              </a:defRPr>
+            </a:lvl9pPr>
+          </a:lstStyle>
+          <a:p>
+            <a:pPr marL="0" indent="0">
+              <a:buFont typeface="Arial" panose="020B0604020202020204" pitchFamily="34" charset="0"/>
+              <a:buNone/>
+            </a:pPr>
+            <a:r>
+              <a:rPr lang="en-US" u="sng" dirty="0"/>
+              <a:t>Glove</a:t>
+            </a:r>
+          </a:p>
+          <a:p>
+            <a:pPr marL="0" indent="0">
+              <a:buFont typeface="Arial" panose="020B0604020202020204" pitchFamily="34" charset="0"/>
+              <a:buNone/>
+            </a:pPr>
+            <a:r>
+              <a:rPr lang="en-US" dirty="0"/>
+              <a:t>Lacks context, like in </a:t>
+            </a:r>
+            <a:r>
+              <a:rPr lang="en-US" dirty="0" err="1"/>
+              <a:t>Sbert</a:t>
+            </a:r>
+            <a:r>
+              <a:rPr lang="en-US" dirty="0"/>
+              <a:t>, since it focuses on the words themselves rather than positions</a:t>
+            </a:r>
+          </a:p>
+        </p:txBody>
+      </p:sp>
+      <p:sp>
+        <p:nvSpPr>
+          <p:cNvPr id="10" name="TextBox 9">
+            <a:extLst>
+              <a:ext uri="{FF2B5EF4-FFF2-40B4-BE49-F238E27FC236}">
+                <a16:creationId xmlns:a16="http://schemas.microsoft.com/office/drawing/2014/main" id="{61B94EBB-1893-700B-66EF-C19C81AE7A6D}"/>
+              </a:ext>
+            </a:extLst>
+          </p:cNvPr>
+          <p:cNvSpPr txBox="1"/>
+          <p:nvPr/>
+        </p:nvSpPr>
+        <p:spPr>
+          <a:xfrm>
+            <a:off x="10984686" y="6215088"/>
+            <a:ext cx="456944" cy="369332"/>
+          </a:xfrm>
+          <a:prstGeom prst="rect">
+            <a:avLst/>
+          </a:prstGeom>
+          <a:noFill/>
+        </p:spPr>
+        <p:txBody>
+          <a:bodyPr wrap="square" rtlCol="0">
+            <a:spAutoFit/>
+          </a:bodyPr>
+          <a:lstStyle/>
+          <a:p>
+            <a:r>
+              <a:rPr lang="en-US" dirty="0"/>
+              <a:t>[4]</a:t>
+            </a:r>
           </a:p>
         </p:txBody>
       </p:sp>
     </p:spTree>
     <p:extLst>
       <p:ext uri="{BB962C8B-B14F-4D97-AF65-F5344CB8AC3E}">
-        <p14:creationId xmlns:p14="http://schemas.microsoft.com/office/powerpoint/2010/main" val="2406529648"/>
+        <p14:creationId xmlns:p14="http://schemas.microsoft.com/office/powerpoint/2010/main" val="1055155028"/>
       </p:ext>
     </p:extLst>
   </p:cSld>

--- a/presentation_and_report/AP_RAG_presentation.pptx
+++ b/presentation_and_report/AP_RAG_presentation.pptx
@@ -14,7 +14,8 @@
     <p:sldId id="262" r:id="rId8"/>
     <p:sldId id="269" r:id="rId9"/>
     <p:sldId id="263" r:id="rId10"/>
-    <p:sldId id="265" r:id="rId11"/>
+    <p:sldId id="270" r:id="rId11"/>
+    <p:sldId id="265" r:id="rId12"/>
   </p:sldIdLst>
   <p:sldSz cx="12192000" cy="6858000"/>
   <p:notesSz cx="6858000" cy="9144000"/>
@@ -3989,6 +3990,96 @@
 </file>
 
 <file path=ppt/slides/slide10.xml><?xml version="1.0" encoding="utf-8"?>
+<p:sld xmlns:a="http://schemas.openxmlformats.org/drawingml/2006/main" xmlns:r="http://schemas.openxmlformats.org/officeDocument/2006/relationships" xmlns:p="http://schemas.openxmlformats.org/presentationml/2006/main">
+  <p:cSld>
+    <p:spTree>
+      <p:nvGrpSpPr>
+        <p:cNvPr id="1" name=""/>
+        <p:cNvGrpSpPr/>
+        <p:nvPr/>
+      </p:nvGrpSpPr>
+      <p:grpSpPr>
+        <a:xfrm>
+          <a:off x="0" y="0"/>
+          <a:ext cx="0" cy="0"/>
+          <a:chOff x="0" y="0"/>
+          <a:chExt cx="0" cy="0"/>
+        </a:xfrm>
+      </p:grpSpPr>
+      <p:pic>
+        <p:nvPicPr>
+          <p:cNvPr id="5" name="Picture 4" descr="A text on a page&#10;&#10;Description automatically generated">
+            <a:extLst>
+              <a:ext uri="{FF2B5EF4-FFF2-40B4-BE49-F238E27FC236}">
+                <a16:creationId xmlns:a16="http://schemas.microsoft.com/office/drawing/2014/main" id="{160CF2CE-18D5-63EA-72F0-86009D94A60B}"/>
+              </a:ext>
+            </a:extLst>
+          </p:cNvPr>
+          <p:cNvPicPr>
+            <a:picLocks noChangeAspect="1"/>
+          </p:cNvPicPr>
+          <p:nvPr/>
+        </p:nvPicPr>
+        <p:blipFill>
+          <a:blip r:embed="rId2"/>
+          <a:stretch>
+            <a:fillRect/>
+          </a:stretch>
+        </p:blipFill>
+        <p:spPr>
+          <a:xfrm>
+            <a:off x="0" y="3429000"/>
+            <a:ext cx="12191999" cy="2989639"/>
+          </a:xfrm>
+          <a:prstGeom prst="rect">
+            <a:avLst/>
+          </a:prstGeom>
+        </p:spPr>
+      </p:pic>
+      <p:pic>
+        <p:nvPicPr>
+          <p:cNvPr id="7" name="Picture 6" descr="A text on a white background&#10;&#10;Description automatically generated">
+            <a:extLst>
+              <a:ext uri="{FF2B5EF4-FFF2-40B4-BE49-F238E27FC236}">
+                <a16:creationId xmlns:a16="http://schemas.microsoft.com/office/drawing/2014/main" id="{D781559D-69DE-3B98-92ED-5F0CD68CF9CF}"/>
+              </a:ext>
+            </a:extLst>
+          </p:cNvPr>
+          <p:cNvPicPr>
+            <a:picLocks noChangeAspect="1"/>
+          </p:cNvPicPr>
+          <p:nvPr/>
+        </p:nvPicPr>
+        <p:blipFill>
+          <a:blip r:embed="rId3"/>
+          <a:stretch>
+            <a:fillRect/>
+          </a:stretch>
+        </p:blipFill>
+        <p:spPr>
+          <a:xfrm>
+            <a:off x="0" y="181708"/>
+            <a:ext cx="12192000" cy="3247292"/>
+          </a:xfrm>
+          <a:prstGeom prst="rect">
+            <a:avLst/>
+          </a:prstGeom>
+        </p:spPr>
+      </p:pic>
+    </p:spTree>
+    <p:extLst>
+      <p:ext uri="{BB962C8B-B14F-4D97-AF65-F5344CB8AC3E}">
+        <p14:creationId xmlns:p14="http://schemas.microsoft.com/office/powerpoint/2010/main" val="4210063640"/>
+      </p:ext>
+    </p:extLst>
+  </p:cSld>
+  <p:clrMapOvr>
+    <a:masterClrMapping/>
+  </p:clrMapOvr>
+</p:sld>
+</file>
+
+<file path=ppt/slides/slide11.xml><?xml version="1.0" encoding="utf-8"?>
 <p:sld xmlns:a="http://schemas.openxmlformats.org/drawingml/2006/main" xmlns:r="http://schemas.openxmlformats.org/officeDocument/2006/relationships" xmlns:p="http://schemas.openxmlformats.org/presentationml/2006/main">
   <p:cSld>
     <p:spTree>
